--- a/ppt/20200919_blueprint.pptx
+++ b/ppt/20200919_blueprint.pptx
@@ -7,9 +7,11 @@
   <p:sldIdLst>
     <p:sldId id="256" r:id="rId2"/>
     <p:sldId id="259" r:id="rId3"/>
-    <p:sldId id="260" r:id="rId4"/>
-    <p:sldId id="257" r:id="rId5"/>
-    <p:sldId id="258" r:id="rId6"/>
+    <p:sldId id="261" r:id="rId4"/>
+    <p:sldId id="262" r:id="rId5"/>
+    <p:sldId id="260" r:id="rId6"/>
+    <p:sldId id="257" r:id="rId7"/>
+    <p:sldId id="258" r:id="rId8"/>
   </p:sldIdLst>
   <p:sldSz cx="12192000" cy="6858000"/>
   <p:notesSz cx="6858000" cy="9144000"/>
@@ -109,6 +111,25 @@
     </a:lvl9pPr>
   </p:defaultTextStyle>
   <p:extLst>
+    <p:ext uri="{521415D9-36F7-43E2-AB2F-B90AF26B5E84}">
+      <p14:sectionLst xmlns:p14="http://schemas.microsoft.com/office/powerpoint/2010/main">
+        <p14:section name="표지" id="{94A99F1C-DBF4-4EA3-9A2F-211EF72698F0}">
+          <p14:sldIdLst>
+            <p14:sldId id="256"/>
+          </p14:sldIdLst>
+        </p14:section>
+        <p14:section name="내용" id="{2771B248-8D59-4E66-A699-EC305AE240DB}">
+          <p14:sldIdLst>
+            <p14:sldId id="259"/>
+            <p14:sldId id="261"/>
+            <p14:sldId id="262"/>
+            <p14:sldId id="260"/>
+            <p14:sldId id="257"/>
+            <p14:sldId id="258"/>
+          </p14:sldIdLst>
+        </p14:section>
+      </p14:sectionLst>
+    </p:ext>
     <p:ext uri="{EFAFB233-063F-42B5-8137-9DF3F51BA10A}">
       <p15:sldGuideLst xmlns:p15="http://schemas.microsoft.com/office/powerpoint/2012/main">
         <p15:guide id="1" orient="horz" pos="2160" userDrawn="1">
@@ -121,7 +142,7 @@
             <a:srgbClr val="A4A3A4"/>
           </p15:clr>
         </p15:guide>
-        <p15:guide id="3" pos="3908" userDrawn="1">
+        <p15:guide id="3" pos="3840" userDrawn="1">
           <p15:clr>
             <a:srgbClr val="A4A3A4"/>
           </p15:clr>
@@ -137,6 +158,21 @@
           </p15:clr>
         </p15:guide>
         <p15:guide id="6" orient="horz" pos="1185" userDrawn="1">
+          <p15:clr>
+            <a:srgbClr val="A4A3A4"/>
+          </p15:clr>
+        </p15:guide>
+        <p15:guide id="7" orient="horz" pos="1234" userDrawn="1">
+          <p15:clr>
+            <a:srgbClr val="A4A3A4"/>
+          </p15:clr>
+        </p15:guide>
+        <p15:guide id="8" pos="5246" userDrawn="1">
+          <p15:clr>
+            <a:srgbClr val="A4A3A4"/>
+          </p15:clr>
+        </p15:guide>
+        <p15:guide id="9" pos="2411" userDrawn="1">
           <p15:clr>
             <a:srgbClr val="A4A3A4"/>
           </p15:clr>
@@ -3390,12 +3426,51 @@
           <a:lstStyle/>
           <a:p>
             <a:r>
-              <a:rPr lang="en-US" altLang="ko-KR" sz="4400" b="1">
+              <a:rPr lang="en-US" altLang="ko-KR" sz="4400" b="1" dirty="0">
                 <a:solidFill>
                   <a:srgbClr val="002060"/>
                 </a:solidFill>
               </a:rPr>
-              <a:t>20</a:t>
+              <a:t>SCDC </a:t>
+            </a:r>
+            <a:r>
+              <a:rPr lang="ko-KR" altLang="en-US" sz="4400" b="1" dirty="0">
+                <a:solidFill>
+                  <a:srgbClr val="002060"/>
+                </a:solidFill>
+              </a:rPr>
+              <a:t>과제 계획서</a:t>
+            </a:r>
+            <a:br>
+              <a:rPr lang="en-US" altLang="ko-KR" sz="4400" b="1" dirty="0">
+                <a:solidFill>
+                  <a:srgbClr val="002060"/>
+                </a:solidFill>
+              </a:rPr>
+            </a:br>
+            <a:r>
+              <a:rPr lang="en-US" altLang="ko-KR" sz="4400" b="1" dirty="0">
+                <a:solidFill>
+                  <a:srgbClr val="002060"/>
+                </a:solidFill>
+              </a:rPr>
+              <a:t>Track</a:t>
+            </a:r>
+            <a:r>
+              <a:rPr lang="ko-KR" altLang="en-US" sz="4400" b="1" dirty="0">
+                <a:solidFill>
+                  <a:srgbClr val="002060"/>
+                </a:solidFill>
+              </a:rPr>
+              <a:t> </a:t>
+            </a:r>
+            <a:r>
+              <a:rPr lang="en-US" altLang="ko-KR" sz="4400" b="1" dirty="0">
+                <a:solidFill>
+                  <a:srgbClr val="002060"/>
+                </a:solidFill>
+              </a:rPr>
+              <a:t>1</a:t>
             </a:r>
             <a:endParaRPr lang="ko-KR" altLang="en-US" sz="4400" b="1" dirty="0">
               <a:solidFill>
@@ -3975,7 +4050,7 @@
                   <a:srgbClr val="002060"/>
                 </a:solidFill>
               </a:rPr>
-              <a:t>변수 선택</a:t>
+              <a:t>프로세스</a:t>
             </a:r>
           </a:p>
         </p:txBody>
@@ -4122,10 +4197,699 @@
       </p:pic>
       <p:sp>
         <p:nvSpPr>
-          <p:cNvPr id="5" name="TextBox 4">
-            <a:extLst>
-              <a:ext uri="{FF2B5EF4-FFF2-40B4-BE49-F238E27FC236}">
-                <a16:creationId xmlns:a16="http://schemas.microsoft.com/office/drawing/2014/main" id="{2BDFD130-2758-4D3C-960B-27A7ADC6BFA4}"/>
+          <p:cNvPr id="2" name="내용 개체 틀 1">
+            <a:extLst>
+              <a:ext uri="{FF2B5EF4-FFF2-40B4-BE49-F238E27FC236}">
+                <a16:creationId xmlns:a16="http://schemas.microsoft.com/office/drawing/2014/main" id="{E03E344F-946A-4413-8903-207A8F89D510}"/>
+              </a:ext>
+            </a:extLst>
+          </p:cNvPr>
+          <p:cNvSpPr txBox="1">
+            <a:spLocks/>
+          </p:cNvSpPr>
+          <p:nvPr/>
+        </p:nvSpPr>
+        <p:spPr>
+          <a:xfrm>
+            <a:off x="515935" y="819150"/>
+            <a:ext cx="11160127" cy="1041397"/>
+          </a:xfrm>
+          <a:prstGeom prst="rect">
+            <a:avLst/>
+          </a:prstGeom>
+        </p:spPr>
+        <p:txBody>
+          <a:bodyPr vert="horz" lIns="91440" tIns="45720" rIns="91440" bIns="45720" rtlCol="0">
+            <a:normAutofit/>
+          </a:bodyPr>
+          <a:lstStyle>
+            <a:lvl1pPr marL="228600" indent="-228600" algn="l" defTabSz="914400" rtl="0" eaLnBrk="1" latinLnBrk="1" hangingPunct="1">
+              <a:lnSpc>
+                <a:spcPct val="90000"/>
+              </a:lnSpc>
+              <a:spcBef>
+                <a:spcPts val="1000"/>
+              </a:spcBef>
+              <a:buFont typeface="Arial" panose="020B0604020202020204" pitchFamily="34" charset="0"/>
+              <a:buChar char="•"/>
+              <a:defRPr sz="2800" kern="1200">
+                <a:solidFill>
+                  <a:schemeClr val="tx1"/>
+                </a:solidFill>
+                <a:latin typeface="+mn-lt"/>
+                <a:ea typeface="+mn-ea"/>
+                <a:cs typeface="+mn-cs"/>
+              </a:defRPr>
+            </a:lvl1pPr>
+            <a:lvl2pPr marL="685800" indent="-228600" algn="l" defTabSz="914400" rtl="0" eaLnBrk="1" latinLnBrk="1" hangingPunct="1">
+              <a:lnSpc>
+                <a:spcPct val="90000"/>
+              </a:lnSpc>
+              <a:spcBef>
+                <a:spcPts val="500"/>
+              </a:spcBef>
+              <a:buFont typeface="Arial" panose="020B0604020202020204" pitchFamily="34" charset="0"/>
+              <a:buChar char="•"/>
+              <a:defRPr sz="2400" kern="1200">
+                <a:solidFill>
+                  <a:schemeClr val="tx1"/>
+                </a:solidFill>
+                <a:latin typeface="+mn-lt"/>
+                <a:ea typeface="+mn-ea"/>
+                <a:cs typeface="+mn-cs"/>
+              </a:defRPr>
+            </a:lvl2pPr>
+            <a:lvl3pPr marL="1143000" indent="-228600" algn="l" defTabSz="914400" rtl="0" eaLnBrk="1" latinLnBrk="1" hangingPunct="1">
+              <a:lnSpc>
+                <a:spcPct val="90000"/>
+              </a:lnSpc>
+              <a:spcBef>
+                <a:spcPts val="500"/>
+              </a:spcBef>
+              <a:buFont typeface="Arial" panose="020B0604020202020204" pitchFamily="34" charset="0"/>
+              <a:buChar char="•"/>
+              <a:defRPr sz="2000" kern="1200">
+                <a:solidFill>
+                  <a:schemeClr val="tx1"/>
+                </a:solidFill>
+                <a:latin typeface="+mn-lt"/>
+                <a:ea typeface="+mn-ea"/>
+                <a:cs typeface="+mn-cs"/>
+              </a:defRPr>
+            </a:lvl3pPr>
+            <a:lvl4pPr marL="1600200" indent="-228600" algn="l" defTabSz="914400" rtl="0" eaLnBrk="1" latinLnBrk="1" hangingPunct="1">
+              <a:lnSpc>
+                <a:spcPct val="90000"/>
+              </a:lnSpc>
+              <a:spcBef>
+                <a:spcPts val="500"/>
+              </a:spcBef>
+              <a:buFont typeface="Arial" panose="020B0604020202020204" pitchFamily="34" charset="0"/>
+              <a:buChar char="•"/>
+              <a:defRPr sz="1800" kern="1200">
+                <a:solidFill>
+                  <a:schemeClr val="tx1"/>
+                </a:solidFill>
+                <a:latin typeface="+mn-lt"/>
+                <a:ea typeface="+mn-ea"/>
+                <a:cs typeface="+mn-cs"/>
+              </a:defRPr>
+            </a:lvl4pPr>
+            <a:lvl5pPr marL="2057400" indent="-228600" algn="l" defTabSz="914400" rtl="0" eaLnBrk="1" latinLnBrk="1" hangingPunct="1">
+              <a:lnSpc>
+                <a:spcPct val="90000"/>
+              </a:lnSpc>
+              <a:spcBef>
+                <a:spcPts val="500"/>
+              </a:spcBef>
+              <a:buFont typeface="Arial" panose="020B0604020202020204" pitchFamily="34" charset="0"/>
+              <a:buChar char="•"/>
+              <a:defRPr sz="1800" kern="1200">
+                <a:solidFill>
+                  <a:schemeClr val="tx1"/>
+                </a:solidFill>
+                <a:latin typeface="+mn-lt"/>
+                <a:ea typeface="+mn-ea"/>
+                <a:cs typeface="+mn-cs"/>
+              </a:defRPr>
+            </a:lvl5pPr>
+            <a:lvl6pPr marL="2514600" indent="-228600" algn="l" defTabSz="914400" rtl="0" eaLnBrk="1" latinLnBrk="1" hangingPunct="1">
+              <a:lnSpc>
+                <a:spcPct val="90000"/>
+              </a:lnSpc>
+              <a:spcBef>
+                <a:spcPts val="500"/>
+              </a:spcBef>
+              <a:buFont typeface="Arial" panose="020B0604020202020204" pitchFamily="34" charset="0"/>
+              <a:buChar char="•"/>
+              <a:defRPr sz="1800" kern="1200">
+                <a:solidFill>
+                  <a:schemeClr val="tx1"/>
+                </a:solidFill>
+                <a:latin typeface="+mn-lt"/>
+                <a:ea typeface="+mn-ea"/>
+                <a:cs typeface="+mn-cs"/>
+              </a:defRPr>
+            </a:lvl6pPr>
+            <a:lvl7pPr marL="2971800" indent="-228600" algn="l" defTabSz="914400" rtl="0" eaLnBrk="1" latinLnBrk="1" hangingPunct="1">
+              <a:lnSpc>
+                <a:spcPct val="90000"/>
+              </a:lnSpc>
+              <a:spcBef>
+                <a:spcPts val="500"/>
+              </a:spcBef>
+              <a:buFont typeface="Arial" panose="020B0604020202020204" pitchFamily="34" charset="0"/>
+              <a:buChar char="•"/>
+              <a:defRPr sz="1800" kern="1200">
+                <a:solidFill>
+                  <a:schemeClr val="tx1"/>
+                </a:solidFill>
+                <a:latin typeface="+mn-lt"/>
+                <a:ea typeface="+mn-ea"/>
+                <a:cs typeface="+mn-cs"/>
+              </a:defRPr>
+            </a:lvl7pPr>
+            <a:lvl8pPr marL="3429000" indent="-228600" algn="l" defTabSz="914400" rtl="0" eaLnBrk="1" latinLnBrk="1" hangingPunct="1">
+              <a:lnSpc>
+                <a:spcPct val="90000"/>
+              </a:lnSpc>
+              <a:spcBef>
+                <a:spcPts val="500"/>
+              </a:spcBef>
+              <a:buFont typeface="Arial" panose="020B0604020202020204" pitchFamily="34" charset="0"/>
+              <a:buChar char="•"/>
+              <a:defRPr sz="1800" kern="1200">
+                <a:solidFill>
+                  <a:schemeClr val="tx1"/>
+                </a:solidFill>
+                <a:latin typeface="+mn-lt"/>
+                <a:ea typeface="+mn-ea"/>
+                <a:cs typeface="+mn-cs"/>
+              </a:defRPr>
+            </a:lvl8pPr>
+            <a:lvl9pPr marL="3886200" indent="-228600" algn="l" defTabSz="914400" rtl="0" eaLnBrk="1" latinLnBrk="1" hangingPunct="1">
+              <a:lnSpc>
+                <a:spcPct val="90000"/>
+              </a:lnSpc>
+              <a:spcBef>
+                <a:spcPts val="500"/>
+              </a:spcBef>
+              <a:buFont typeface="Arial" panose="020B0604020202020204" pitchFamily="34" charset="0"/>
+              <a:buChar char="•"/>
+              <a:defRPr sz="1800" kern="1200">
+                <a:solidFill>
+                  <a:schemeClr val="tx1"/>
+                </a:solidFill>
+                <a:latin typeface="+mn-lt"/>
+                <a:ea typeface="+mn-ea"/>
+                <a:cs typeface="+mn-cs"/>
+              </a:defRPr>
+            </a:lvl9pPr>
+          </a:lstStyle>
+          <a:p>
+            <a:pPr marL="0" indent="0">
+              <a:buNone/>
+            </a:pPr>
+            <a:r>
+              <a:rPr lang="en-US" altLang="ko-KR" sz="1800" b="1" dirty="0">
+                <a:solidFill>
+                  <a:srgbClr val="002060"/>
+                </a:solidFill>
+              </a:rPr>
+              <a:t>Track 1 </a:t>
+            </a:r>
+            <a:r>
+              <a:rPr lang="ko-KR" altLang="en-US" sz="1800" b="1" dirty="0">
+                <a:solidFill>
+                  <a:srgbClr val="002060"/>
+                </a:solidFill>
+              </a:rPr>
+              <a:t>과제는 크게 아래의 세 파트로 나누어 진행됨</a:t>
+            </a:r>
+            <a:r>
+              <a:rPr lang="en-US" altLang="ko-KR" sz="1800" b="1" dirty="0">
+                <a:solidFill>
+                  <a:srgbClr val="002060"/>
+                </a:solidFill>
+              </a:rPr>
+              <a:t>.</a:t>
+            </a:r>
+          </a:p>
+          <a:p>
+            <a:pPr marL="0" indent="0">
+              <a:buNone/>
+            </a:pPr>
+            <a:r>
+              <a:rPr lang="ko-KR" altLang="en-US" sz="1800" b="1" dirty="0">
+                <a:solidFill>
+                  <a:srgbClr val="002060"/>
+                </a:solidFill>
+              </a:rPr>
+              <a:t>① 데이터 </a:t>
+            </a:r>
+            <a:r>
+              <a:rPr lang="ko-KR" altLang="en-US" sz="1800" b="1" dirty="0" err="1">
+                <a:solidFill>
+                  <a:srgbClr val="002060"/>
+                </a:solidFill>
+              </a:rPr>
+              <a:t>전처리</a:t>
+            </a:r>
+            <a:r>
+              <a:rPr lang="ko-KR" altLang="en-US" sz="1800" b="1" dirty="0">
+                <a:solidFill>
+                  <a:srgbClr val="002060"/>
+                </a:solidFill>
+              </a:rPr>
+              <a:t> ② 모델링 ③ 결과 해석</a:t>
+            </a:r>
+          </a:p>
+        </p:txBody>
+      </p:sp>
+      <p:sp>
+        <p:nvSpPr>
+          <p:cNvPr id="6" name="사각형: 둥근 모서리 5">
+            <a:extLst>
+              <a:ext uri="{FF2B5EF4-FFF2-40B4-BE49-F238E27FC236}">
+                <a16:creationId xmlns:a16="http://schemas.microsoft.com/office/drawing/2014/main" id="{B0290C4B-3720-41C3-AFEC-26361766C142}"/>
+              </a:ext>
+            </a:extLst>
+          </p:cNvPr>
+          <p:cNvSpPr/>
+          <p:nvPr/>
+        </p:nvSpPr>
+        <p:spPr>
+          <a:xfrm>
+            <a:off x="701710" y="2735580"/>
+            <a:ext cx="3125753" cy="3576132"/>
+          </a:xfrm>
+          <a:prstGeom prst="roundRect">
+            <a:avLst/>
+          </a:prstGeom>
+          <a:noFill/>
+          <a:ln w="28575">
+            <a:solidFill>
+              <a:srgbClr val="04469F"/>
+            </a:solidFill>
+          </a:ln>
+        </p:spPr>
+        <p:style>
+          <a:lnRef idx="2">
+            <a:schemeClr val="accent1">
+              <a:shade val="50000"/>
+            </a:schemeClr>
+          </a:lnRef>
+          <a:fillRef idx="1">
+            <a:schemeClr val="accent1"/>
+          </a:fillRef>
+          <a:effectRef idx="0">
+            <a:schemeClr val="accent1"/>
+          </a:effectRef>
+          <a:fontRef idx="minor">
+            <a:schemeClr val="lt1"/>
+          </a:fontRef>
+        </p:style>
+        <p:txBody>
+          <a:bodyPr rtlCol="0" anchor="ctr"/>
+          <a:lstStyle/>
+          <a:p>
+            <a:pPr algn="ctr"/>
+            <a:endParaRPr lang="ko-KR" altLang="en-US"/>
+          </a:p>
+        </p:txBody>
+      </p:sp>
+      <p:sp>
+        <p:nvSpPr>
+          <p:cNvPr id="7" name="사각형: 둥근 모서리 6">
+            <a:extLst>
+              <a:ext uri="{FF2B5EF4-FFF2-40B4-BE49-F238E27FC236}">
+                <a16:creationId xmlns:a16="http://schemas.microsoft.com/office/drawing/2014/main" id="{3CB01836-C3DE-466E-BA28-02E8BAD6DD15}"/>
+              </a:ext>
+            </a:extLst>
+          </p:cNvPr>
+          <p:cNvSpPr/>
+          <p:nvPr/>
+        </p:nvSpPr>
+        <p:spPr>
+          <a:xfrm>
+            <a:off x="4533120" y="2735580"/>
+            <a:ext cx="3125755" cy="3576132"/>
+          </a:xfrm>
+          <a:prstGeom prst="roundRect">
+            <a:avLst/>
+          </a:prstGeom>
+          <a:noFill/>
+          <a:ln w="28575">
+            <a:solidFill>
+              <a:srgbClr val="04469F"/>
+            </a:solidFill>
+          </a:ln>
+        </p:spPr>
+        <p:style>
+          <a:lnRef idx="2">
+            <a:schemeClr val="accent1">
+              <a:shade val="50000"/>
+            </a:schemeClr>
+          </a:lnRef>
+          <a:fillRef idx="1">
+            <a:schemeClr val="accent1"/>
+          </a:fillRef>
+          <a:effectRef idx="0">
+            <a:schemeClr val="accent1"/>
+          </a:effectRef>
+          <a:fontRef idx="minor">
+            <a:schemeClr val="lt1"/>
+          </a:fontRef>
+        </p:style>
+        <p:txBody>
+          <a:bodyPr rtlCol="0" anchor="ctr"/>
+          <a:lstStyle/>
+          <a:p>
+            <a:pPr algn="ctr"/>
+            <a:endParaRPr lang="ko-KR" altLang="en-US"/>
+          </a:p>
+        </p:txBody>
+      </p:sp>
+      <p:sp>
+        <p:nvSpPr>
+          <p:cNvPr id="13" name="사각형: 둥근 모서리 12">
+            <a:extLst>
+              <a:ext uri="{FF2B5EF4-FFF2-40B4-BE49-F238E27FC236}">
+                <a16:creationId xmlns:a16="http://schemas.microsoft.com/office/drawing/2014/main" id="{97B1BD20-D1B0-46AB-9A59-3122242ACF80}"/>
+              </a:ext>
+            </a:extLst>
+          </p:cNvPr>
+          <p:cNvSpPr/>
+          <p:nvPr/>
+        </p:nvSpPr>
+        <p:spPr>
+          <a:xfrm>
+            <a:off x="8364538" y="2735580"/>
+            <a:ext cx="3125754" cy="3576132"/>
+          </a:xfrm>
+          <a:prstGeom prst="roundRect">
+            <a:avLst/>
+          </a:prstGeom>
+          <a:noFill/>
+          <a:ln w="28575">
+            <a:solidFill>
+              <a:srgbClr val="04469F"/>
+            </a:solidFill>
+          </a:ln>
+        </p:spPr>
+        <p:style>
+          <a:lnRef idx="2">
+            <a:schemeClr val="accent1">
+              <a:shade val="50000"/>
+            </a:schemeClr>
+          </a:lnRef>
+          <a:fillRef idx="1">
+            <a:schemeClr val="accent1"/>
+          </a:fillRef>
+          <a:effectRef idx="0">
+            <a:schemeClr val="accent1"/>
+          </a:effectRef>
+          <a:fontRef idx="minor">
+            <a:schemeClr val="lt1"/>
+          </a:fontRef>
+        </p:style>
+        <p:txBody>
+          <a:bodyPr rtlCol="0" anchor="ctr"/>
+          <a:lstStyle/>
+          <a:p>
+            <a:pPr algn="ctr"/>
+            <a:endParaRPr lang="ko-KR" altLang="en-US"/>
+          </a:p>
+        </p:txBody>
+      </p:sp>
+      <p:sp>
+        <p:nvSpPr>
+          <p:cNvPr id="14" name="직사각형 13">
+            <a:extLst>
+              <a:ext uri="{FF2B5EF4-FFF2-40B4-BE49-F238E27FC236}">
+                <a16:creationId xmlns:a16="http://schemas.microsoft.com/office/drawing/2014/main" id="{0C386CED-3ABC-4FED-85A3-E7A44FBC9CCD}"/>
+              </a:ext>
+            </a:extLst>
+          </p:cNvPr>
+          <p:cNvSpPr/>
+          <p:nvPr/>
+        </p:nvSpPr>
+        <p:spPr>
+          <a:xfrm>
+            <a:off x="701710" y="1991720"/>
+            <a:ext cx="3125753" cy="641032"/>
+          </a:xfrm>
+          <a:prstGeom prst="rect">
+            <a:avLst/>
+          </a:prstGeom>
+          <a:solidFill>
+            <a:srgbClr val="04469F"/>
+          </a:solidFill>
+          <a:ln>
+            <a:noFill/>
+          </a:ln>
+        </p:spPr>
+        <p:style>
+          <a:lnRef idx="2">
+            <a:schemeClr val="accent1">
+              <a:shade val="50000"/>
+            </a:schemeClr>
+          </a:lnRef>
+          <a:fillRef idx="1">
+            <a:schemeClr val="accent1"/>
+          </a:fillRef>
+          <a:effectRef idx="0">
+            <a:schemeClr val="accent1"/>
+          </a:effectRef>
+          <a:fontRef idx="minor">
+            <a:schemeClr val="lt1"/>
+          </a:fontRef>
+        </p:style>
+        <p:txBody>
+          <a:bodyPr rtlCol="0" anchor="ctr"/>
+          <a:lstStyle/>
+          <a:p>
+            <a:pPr algn="ctr"/>
+            <a:r>
+              <a:rPr lang="ko-KR" altLang="en-US" sz="1600" b="1" dirty="0"/>
+              <a:t>데이터 </a:t>
+            </a:r>
+            <a:r>
+              <a:rPr lang="ko-KR" altLang="en-US" sz="1600" b="1" dirty="0" err="1"/>
+              <a:t>전처리</a:t>
+            </a:r>
+            <a:endParaRPr lang="ko-KR" altLang="en-US" sz="1600" b="1" dirty="0"/>
+          </a:p>
+        </p:txBody>
+      </p:sp>
+      <p:sp>
+        <p:nvSpPr>
+          <p:cNvPr id="25" name="직사각형 24">
+            <a:extLst>
+              <a:ext uri="{FF2B5EF4-FFF2-40B4-BE49-F238E27FC236}">
+                <a16:creationId xmlns:a16="http://schemas.microsoft.com/office/drawing/2014/main" id="{4EEF0BFE-6B11-4E8D-9D93-B886DF2BF56A}"/>
+              </a:ext>
+            </a:extLst>
+          </p:cNvPr>
+          <p:cNvSpPr/>
+          <p:nvPr/>
+        </p:nvSpPr>
+        <p:spPr>
+          <a:xfrm>
+            <a:off x="4533123" y="1991720"/>
+            <a:ext cx="3125753" cy="653849"/>
+          </a:xfrm>
+          <a:prstGeom prst="rect">
+            <a:avLst/>
+          </a:prstGeom>
+          <a:solidFill>
+            <a:srgbClr val="04469F"/>
+          </a:solidFill>
+          <a:ln>
+            <a:noFill/>
+          </a:ln>
+        </p:spPr>
+        <p:style>
+          <a:lnRef idx="2">
+            <a:schemeClr val="accent1">
+              <a:shade val="50000"/>
+            </a:schemeClr>
+          </a:lnRef>
+          <a:fillRef idx="1">
+            <a:schemeClr val="accent1"/>
+          </a:fillRef>
+          <a:effectRef idx="0">
+            <a:schemeClr val="accent1"/>
+          </a:effectRef>
+          <a:fontRef idx="minor">
+            <a:schemeClr val="lt1"/>
+          </a:fontRef>
+        </p:style>
+        <p:txBody>
+          <a:bodyPr rtlCol="0" anchor="ctr"/>
+          <a:lstStyle/>
+          <a:p>
+            <a:pPr algn="ctr"/>
+            <a:r>
+              <a:rPr lang="ko-KR" altLang="en-US" sz="1600" b="1" dirty="0"/>
+              <a:t>모델링</a:t>
+            </a:r>
+          </a:p>
+        </p:txBody>
+      </p:sp>
+      <p:sp>
+        <p:nvSpPr>
+          <p:cNvPr id="26" name="직사각형 25">
+            <a:extLst>
+              <a:ext uri="{FF2B5EF4-FFF2-40B4-BE49-F238E27FC236}">
+                <a16:creationId xmlns:a16="http://schemas.microsoft.com/office/drawing/2014/main" id="{36D7A623-34B9-4E8F-9F9F-E3B978914896}"/>
+              </a:ext>
+            </a:extLst>
+          </p:cNvPr>
+          <p:cNvSpPr/>
+          <p:nvPr/>
+        </p:nvSpPr>
+        <p:spPr>
+          <a:xfrm>
+            <a:off x="8364536" y="1991720"/>
+            <a:ext cx="3125753" cy="653849"/>
+          </a:xfrm>
+          <a:prstGeom prst="rect">
+            <a:avLst/>
+          </a:prstGeom>
+          <a:solidFill>
+            <a:srgbClr val="04469F"/>
+          </a:solidFill>
+          <a:ln>
+            <a:noFill/>
+          </a:ln>
+        </p:spPr>
+        <p:style>
+          <a:lnRef idx="2">
+            <a:schemeClr val="accent1">
+              <a:shade val="50000"/>
+            </a:schemeClr>
+          </a:lnRef>
+          <a:fillRef idx="1">
+            <a:schemeClr val="accent1"/>
+          </a:fillRef>
+          <a:effectRef idx="0">
+            <a:schemeClr val="accent1"/>
+          </a:effectRef>
+          <a:fontRef idx="minor">
+            <a:schemeClr val="lt1"/>
+          </a:fontRef>
+        </p:style>
+        <p:txBody>
+          <a:bodyPr rtlCol="0" anchor="ctr"/>
+          <a:lstStyle/>
+          <a:p>
+            <a:pPr algn="ctr"/>
+            <a:r>
+              <a:rPr lang="ko-KR" altLang="en-US" sz="1600" b="1" dirty="0"/>
+              <a:t>결과 해석</a:t>
+            </a:r>
+          </a:p>
+        </p:txBody>
+      </p:sp>
+      <p:sp>
+        <p:nvSpPr>
+          <p:cNvPr id="27" name="화살표: 갈매기형 수장 26">
+            <a:extLst>
+              <a:ext uri="{FF2B5EF4-FFF2-40B4-BE49-F238E27FC236}">
+                <a16:creationId xmlns:a16="http://schemas.microsoft.com/office/drawing/2014/main" id="{8FDFDEDE-198A-42A8-ABDF-E9E0A095E939}"/>
+              </a:ext>
+            </a:extLst>
+          </p:cNvPr>
+          <p:cNvSpPr/>
+          <p:nvPr/>
+        </p:nvSpPr>
+        <p:spPr>
+          <a:xfrm>
+            <a:off x="3893819" y="3918745"/>
+            <a:ext cx="571501" cy="1194275"/>
+          </a:xfrm>
+          <a:prstGeom prst="chevron">
+            <a:avLst/>
+          </a:prstGeom>
+          <a:solidFill>
+            <a:srgbClr val="FFD966"/>
+          </a:solidFill>
+          <a:ln>
+            <a:noFill/>
+          </a:ln>
+        </p:spPr>
+        <p:style>
+          <a:lnRef idx="2">
+            <a:schemeClr val="accent1">
+              <a:shade val="50000"/>
+            </a:schemeClr>
+          </a:lnRef>
+          <a:fillRef idx="1">
+            <a:schemeClr val="accent1"/>
+          </a:fillRef>
+          <a:effectRef idx="0">
+            <a:schemeClr val="accent1"/>
+          </a:effectRef>
+          <a:fontRef idx="minor">
+            <a:schemeClr val="lt1"/>
+          </a:fontRef>
+        </p:style>
+        <p:txBody>
+          <a:bodyPr rtlCol="0" anchor="ctr"/>
+          <a:lstStyle/>
+          <a:p>
+            <a:pPr algn="ctr"/>
+            <a:endParaRPr lang="ko-KR" altLang="en-US">
+              <a:solidFill>
+                <a:schemeClr val="tx1"/>
+              </a:solidFill>
+            </a:endParaRPr>
+          </a:p>
+        </p:txBody>
+      </p:sp>
+      <p:sp>
+        <p:nvSpPr>
+          <p:cNvPr id="31" name="화살표: 갈매기형 수장 30">
+            <a:extLst>
+              <a:ext uri="{FF2B5EF4-FFF2-40B4-BE49-F238E27FC236}">
+                <a16:creationId xmlns:a16="http://schemas.microsoft.com/office/drawing/2014/main" id="{ACCE6526-2797-41EF-875E-B271A5EEBFBB}"/>
+              </a:ext>
+            </a:extLst>
+          </p:cNvPr>
+          <p:cNvSpPr/>
+          <p:nvPr/>
+        </p:nvSpPr>
+        <p:spPr>
+          <a:xfrm>
+            <a:off x="7722144" y="3918745"/>
+            <a:ext cx="579125" cy="1194275"/>
+          </a:xfrm>
+          <a:prstGeom prst="chevron">
+            <a:avLst/>
+          </a:prstGeom>
+          <a:solidFill>
+            <a:srgbClr val="FFD966"/>
+          </a:solidFill>
+          <a:ln>
+            <a:noFill/>
+          </a:ln>
+        </p:spPr>
+        <p:style>
+          <a:lnRef idx="2">
+            <a:schemeClr val="accent1">
+              <a:shade val="50000"/>
+            </a:schemeClr>
+          </a:lnRef>
+          <a:fillRef idx="1">
+            <a:schemeClr val="accent1"/>
+          </a:fillRef>
+          <a:effectRef idx="0">
+            <a:schemeClr val="accent1"/>
+          </a:effectRef>
+          <a:fontRef idx="minor">
+            <a:schemeClr val="lt1"/>
+          </a:fontRef>
+        </p:style>
+        <p:txBody>
+          <a:bodyPr rtlCol="0" anchor="ctr"/>
+          <a:lstStyle/>
+          <a:p>
+            <a:pPr algn="ctr"/>
+            <a:endParaRPr lang="ko-KR" altLang="en-US">
+              <a:solidFill>
+                <a:schemeClr val="tx1"/>
+              </a:solidFill>
+            </a:endParaRPr>
+          </a:p>
+        </p:txBody>
+      </p:sp>
+      <p:sp>
+        <p:nvSpPr>
+          <p:cNvPr id="33" name="TextBox 32">
+            <a:extLst>
+              <a:ext uri="{FF2B5EF4-FFF2-40B4-BE49-F238E27FC236}">
+                <a16:creationId xmlns:a16="http://schemas.microsoft.com/office/drawing/2014/main" id="{1DF588E9-8736-4D96-9F1E-5379F1F1B4AC}"/>
               </a:ext>
             </a:extLst>
           </p:cNvPr>
@@ -4134,8 +4898,8 @@
         </p:nvSpPr>
         <p:spPr>
           <a:xfrm>
-            <a:off x="701781" y="934221"/>
-            <a:ext cx="5146152" cy="738664"/>
+            <a:off x="1138800" y="3429000"/>
+            <a:ext cx="2240280" cy="369332"/>
           </a:xfrm>
           <a:prstGeom prst="rect">
             <a:avLst/>
@@ -4143,71 +4907,41 @@
           <a:noFill/>
         </p:spPr>
         <p:txBody>
-          <a:bodyPr wrap="none" rtlCol="0">
+          <a:bodyPr wrap="square" rtlCol="0">
             <a:spAutoFit/>
           </a:bodyPr>
           <a:lstStyle/>
           <a:p>
             <a:r>
-              <a:rPr lang="ko-KR" altLang="en-US" sz="1400" dirty="0"/>
-              <a:t>변수 선택 방법</a:t>
-            </a:r>
-            <a:r>
-              <a:rPr lang="en-US" altLang="ko-KR" sz="1400" dirty="0"/>
-              <a:t>: Feature Importance from tree-based model, </a:t>
-            </a:r>
-          </a:p>
-          <a:p>
-            <a:r>
-              <a:rPr lang="en-US" altLang="ko-KR" sz="1400" dirty="0">
-                <a:hlinkClick r:id="rId3"/>
-              </a:rPr>
-              <a:t>XGBoost</a:t>
-            </a:r>
-            <a:r>
-              <a:rPr lang="ko-KR" altLang="en-US" sz="1400" dirty="0">
-                <a:hlinkClick r:id="rId3"/>
-              </a:rPr>
-              <a:t> </a:t>
-            </a:r>
-            <a:r>
-              <a:rPr lang="en-US" altLang="ko-KR" sz="1400" dirty="0">
-                <a:hlinkClick r:id="rId3"/>
-              </a:rPr>
-              <a:t>Feature Importance </a:t>
-            </a:r>
-            <a:r>
-              <a:rPr lang="ko-KR" altLang="en-US" sz="1400" dirty="0">
-                <a:hlinkClick r:id="rId3"/>
-              </a:rPr>
-              <a:t>활용 </a:t>
-            </a:r>
-            <a:r>
-              <a:rPr lang="en-US" altLang="ko-KR" sz="1400" dirty="0">
-                <a:hlinkClick r:id="rId3"/>
-              </a:rPr>
-              <a:t>Feature Selection</a:t>
-            </a:r>
-            <a:endParaRPr lang="en-US" altLang="ko-KR" sz="1400" dirty="0"/>
-          </a:p>
-          <a:p>
-            <a:r>
-              <a:rPr lang="en-US" altLang="ko-KR" sz="1400" dirty="0"/>
-              <a:t>LASSO Feature Selection, RFE, KS-Test </a:t>
-            </a:r>
-            <a:r>
-              <a:rPr lang="ko-KR" altLang="en-US" sz="1400" dirty="0"/>
-              <a:t>등</a:t>
-            </a:r>
+              <a:rPr lang="en-US" altLang="ko-KR" b="1" dirty="0">
+                <a:solidFill>
+                  <a:srgbClr val="002060"/>
+                </a:solidFill>
+              </a:rPr>
+              <a:t>SMOTE </a:t>
+            </a:r>
+            <a:r>
+              <a:rPr lang="ko-KR" altLang="en-US" b="1" dirty="0" err="1">
+                <a:solidFill>
+                  <a:srgbClr val="002060"/>
+                </a:solidFill>
+              </a:rPr>
+              <a:t>오버샘플링</a:t>
+            </a:r>
+            <a:endParaRPr lang="ko-KR" altLang="en-US" b="1" dirty="0">
+              <a:solidFill>
+                <a:srgbClr val="002060"/>
+              </a:solidFill>
+            </a:endParaRPr>
           </a:p>
         </p:txBody>
       </p:sp>
       <p:sp>
         <p:nvSpPr>
-          <p:cNvPr id="8" name="TextBox 7">
-            <a:extLst>
-              <a:ext uri="{FF2B5EF4-FFF2-40B4-BE49-F238E27FC236}">
-                <a16:creationId xmlns:a16="http://schemas.microsoft.com/office/drawing/2014/main" id="{8AE90563-605F-47A4-8A37-59486A8708F8}"/>
+          <p:cNvPr id="36" name="TextBox 35">
+            <a:extLst>
+              <a:ext uri="{FF2B5EF4-FFF2-40B4-BE49-F238E27FC236}">
+                <a16:creationId xmlns:a16="http://schemas.microsoft.com/office/drawing/2014/main" id="{4254C2FC-6F11-47DE-89C3-803B396DF339}"/>
               </a:ext>
             </a:extLst>
           </p:cNvPr>
@@ -4216,8 +4950,8 @@
         </p:nvSpPr>
         <p:spPr>
           <a:xfrm>
-            <a:off x="2135506" y="1758673"/>
-            <a:ext cx="6062878" cy="738664"/>
+            <a:off x="780660" y="4461648"/>
+            <a:ext cx="2956560" cy="369332"/>
           </a:xfrm>
           <a:prstGeom prst="rect">
             <a:avLst/>
@@ -4225,130 +4959,37 @@
           <a:noFill/>
         </p:spPr>
         <p:txBody>
-          <a:bodyPr wrap="none" rtlCol="0">
+          <a:bodyPr wrap="square" rtlCol="0">
             <a:spAutoFit/>
           </a:bodyPr>
           <a:lstStyle/>
           <a:p>
-            <a:r>
-              <a:rPr lang="ko-KR" altLang="en-US" sz="1400" dirty="0">
-                <a:solidFill>
-                  <a:srgbClr val="FF0000"/>
-                </a:solidFill>
-              </a:rPr>
-              <a:t>시나리오</a:t>
-            </a:r>
-            <a:r>
-              <a:rPr lang="en-US" altLang="ko-KR" sz="1400" dirty="0">
-                <a:solidFill>
-                  <a:srgbClr val="FF0000"/>
-                </a:solidFill>
-              </a:rPr>
-              <a:t>1. </a:t>
-            </a:r>
-            <a:r>
-              <a:rPr lang="ko-KR" altLang="en-US" sz="1400" dirty="0">
-                <a:solidFill>
-                  <a:srgbClr val="FF0000"/>
-                </a:solidFill>
-              </a:rPr>
-              <a:t>변수 선택 일괄 진행</a:t>
-            </a:r>
-            <a:r>
-              <a:rPr lang="en-US" altLang="ko-KR" sz="1400" dirty="0">
-                <a:solidFill>
-                  <a:srgbClr val="FF0000"/>
-                </a:solidFill>
-              </a:rPr>
-              <a:t>,</a:t>
-            </a:r>
-            <a:r>
-              <a:rPr lang="ko-KR" altLang="en-US" sz="1400" dirty="0">
-                <a:solidFill>
-                  <a:srgbClr val="FF0000"/>
-                </a:solidFill>
-              </a:rPr>
-              <a:t> 모델링으로 넘어가기</a:t>
-            </a:r>
-            <a:r>
-              <a:rPr lang="en-US" altLang="ko-KR" sz="1400" dirty="0">
-                <a:solidFill>
-                  <a:srgbClr val="FF0000"/>
-                </a:solidFill>
-              </a:rPr>
-              <a:t>(</a:t>
-            </a:r>
-            <a:r>
-              <a:rPr lang="ko-KR" altLang="en-US" sz="1400" dirty="0">
-                <a:solidFill>
-                  <a:srgbClr val="FF0000"/>
-                </a:solidFill>
-              </a:rPr>
-              <a:t>현재 선택한 방안</a:t>
-            </a:r>
-            <a:r>
-              <a:rPr lang="en-US" altLang="ko-KR" sz="1400" dirty="0">
-                <a:solidFill>
-                  <a:srgbClr val="FF0000"/>
-                </a:solidFill>
-              </a:rPr>
-              <a:t>)</a:t>
-            </a:r>
-          </a:p>
-          <a:p>
-            <a:r>
-              <a:rPr lang="ko-KR" altLang="en-US" sz="1400" dirty="0"/>
-              <a:t>시나리오</a:t>
-            </a:r>
-            <a:r>
-              <a:rPr lang="en-US" altLang="ko-KR" sz="1400" dirty="0"/>
-              <a:t>2. </a:t>
-            </a:r>
-            <a:r>
-              <a:rPr lang="ko-KR" altLang="en-US" sz="1400" dirty="0"/>
-              <a:t>변수 선택 방법별로 모델링을 모두 진행</a:t>
-            </a:r>
-            <a:r>
-              <a:rPr lang="en-US" altLang="ko-KR" sz="1400" dirty="0"/>
-              <a:t>, </a:t>
-            </a:r>
-            <a:r>
-              <a:rPr lang="ko-KR" altLang="en-US" sz="1400" dirty="0"/>
-              <a:t>앙상블</a:t>
-            </a:r>
-            <a:endParaRPr lang="en-US" altLang="ko-KR" sz="1400" dirty="0"/>
-          </a:p>
-          <a:p>
-            <a:r>
-              <a:rPr lang="ko-KR" altLang="en-US" sz="1400" dirty="0"/>
-              <a:t>시나리오</a:t>
-            </a:r>
-            <a:r>
-              <a:rPr lang="en-US" altLang="ko-KR" sz="1400" dirty="0"/>
-              <a:t>3. </a:t>
-            </a:r>
-            <a:r>
-              <a:rPr lang="ko-KR" altLang="en-US" sz="1400" dirty="0"/>
-              <a:t>변수 선택 방법별 모델링 진행</a:t>
-            </a:r>
-            <a:r>
-              <a:rPr lang="en-US" altLang="ko-KR" sz="1400" dirty="0"/>
-              <a:t>, </a:t>
-            </a:r>
-            <a:r>
-              <a:rPr lang="ko-KR" altLang="en-US" sz="1400" dirty="0"/>
-              <a:t>가장 성능이 좋은 모델 사용</a:t>
-            </a:r>
-            <a:endParaRPr lang="en-US" altLang="ko-KR" sz="1400" dirty="0"/>
+            <a:pPr algn="ctr"/>
+            <a:r>
+              <a:rPr lang="en-US" altLang="ko-KR" b="1" dirty="0">
+                <a:solidFill>
+                  <a:srgbClr val="002060"/>
+                </a:solidFill>
+              </a:rPr>
+              <a:t>K-Bins &amp; GMM </a:t>
+            </a:r>
+            <a:r>
+              <a:rPr lang="ko-KR" altLang="en-US" b="1" dirty="0">
+                <a:solidFill>
+                  <a:srgbClr val="002060"/>
+                </a:solidFill>
+              </a:rPr>
+              <a:t>변수 생성</a:t>
+            </a:r>
           </a:p>
         </p:txBody>
       </p:sp>
       <p:sp>
         <p:nvSpPr>
-          <p:cNvPr id="15" name="TextBox 14">
-            <a:extLst>
-              <a:ext uri="{FF2B5EF4-FFF2-40B4-BE49-F238E27FC236}">
-                <a16:creationId xmlns:a16="http://schemas.microsoft.com/office/drawing/2014/main" id="{0A579A2D-5B5A-4664-934E-7F58C873CCA7}"/>
+          <p:cNvPr id="37" name="TextBox 36">
+            <a:extLst>
+              <a:ext uri="{FF2B5EF4-FFF2-40B4-BE49-F238E27FC236}">
+                <a16:creationId xmlns:a16="http://schemas.microsoft.com/office/drawing/2014/main" id="{9ED9C104-4E97-4179-AB59-18D400A5C060}"/>
               </a:ext>
             </a:extLst>
           </p:cNvPr>
@@ -4357,8 +4998,8 @@
         </p:nvSpPr>
         <p:spPr>
           <a:xfrm>
-            <a:off x="701781" y="2890901"/>
-            <a:ext cx="9077165" cy="307777"/>
+            <a:off x="780660" y="5494296"/>
+            <a:ext cx="2956560" cy="369332"/>
           </a:xfrm>
           <a:prstGeom prst="rect">
             <a:avLst/>
@@ -4366,49 +5007,29 @@
           <a:noFill/>
         </p:spPr>
         <p:txBody>
-          <a:bodyPr wrap="none" rtlCol="0">
+          <a:bodyPr wrap="square" rtlCol="0">
             <a:spAutoFit/>
           </a:bodyPr>
           <a:lstStyle/>
           <a:p>
-            <a:r>
-              <a:rPr lang="ko-KR" altLang="en-US" sz="1400" dirty="0"/>
-              <a:t>고려할 부분들</a:t>
-            </a:r>
-            <a:r>
-              <a:rPr lang="en-US" altLang="ko-KR" sz="1400" dirty="0"/>
-              <a:t>: XAI</a:t>
-            </a:r>
-            <a:r>
-              <a:rPr lang="ko-KR" altLang="en-US" sz="1400" dirty="0"/>
-              <a:t>로 잘 넘겨줄 수 있느냐</a:t>
-            </a:r>
-            <a:r>
-              <a:rPr lang="en-US" altLang="ko-KR" sz="1400" dirty="0"/>
-              <a:t>? =&gt; Feature Selection</a:t>
-            </a:r>
-            <a:r>
-              <a:rPr lang="ko-KR" altLang="en-US" sz="1400" dirty="0"/>
-              <a:t>을 하면</a:t>
-            </a:r>
-            <a:r>
-              <a:rPr lang="en-US" altLang="ko-KR" sz="1400" dirty="0"/>
-              <a:t>, </a:t>
-            </a:r>
-            <a:r>
-              <a:rPr lang="ko-KR" altLang="en-US" sz="1400" dirty="0"/>
-              <a:t>설명 불가능한 변수는 무조건 생긴다</a:t>
-            </a:r>
-            <a:endParaRPr lang="en-US" altLang="ko-KR" sz="1400" dirty="0"/>
+            <a:pPr algn="ctr"/>
+            <a:r>
+              <a:rPr lang="ko-KR" altLang="en-US" b="1" dirty="0">
+                <a:solidFill>
+                  <a:srgbClr val="002060"/>
+                </a:solidFill>
+              </a:rPr>
+              <a:t>모델 최적 변수 변환</a:t>
+            </a:r>
           </a:p>
         </p:txBody>
       </p:sp>
       <p:sp>
         <p:nvSpPr>
-          <p:cNvPr id="21" name="TextBox 20">
-            <a:extLst>
-              <a:ext uri="{FF2B5EF4-FFF2-40B4-BE49-F238E27FC236}">
-                <a16:creationId xmlns:a16="http://schemas.microsoft.com/office/drawing/2014/main" id="{A58250FE-9D8E-48A2-BE27-E5ED873BC485}"/>
+          <p:cNvPr id="38" name="TextBox 37">
+            <a:extLst>
+              <a:ext uri="{FF2B5EF4-FFF2-40B4-BE49-F238E27FC236}">
+                <a16:creationId xmlns:a16="http://schemas.microsoft.com/office/drawing/2014/main" id="{3C368DFD-BF09-4A2C-9134-A827D9C9BF03}"/>
               </a:ext>
             </a:extLst>
           </p:cNvPr>
@@ -4417,8 +5038,8 @@
         </p:nvSpPr>
         <p:spPr>
           <a:xfrm>
-            <a:off x="2052952" y="3391137"/>
-            <a:ext cx="6227987" cy="738664"/>
+            <a:off x="4975860" y="3734079"/>
+            <a:ext cx="2240280" cy="369332"/>
           </a:xfrm>
           <a:prstGeom prst="rect">
             <a:avLst/>
@@ -4426,79 +5047,29 @@
           <a:noFill/>
         </p:spPr>
         <p:txBody>
-          <a:bodyPr wrap="none" rtlCol="0">
+          <a:bodyPr wrap="square" rtlCol="0">
             <a:spAutoFit/>
           </a:bodyPr>
           <a:lstStyle/>
           <a:p>
-            <a:r>
-              <a:rPr lang="ko-KR" altLang="en-US" sz="1400" dirty="0"/>
-              <a:t>시나리오</a:t>
-            </a:r>
-            <a:r>
-              <a:rPr lang="en-US" altLang="ko-KR" sz="1400" dirty="0"/>
-              <a:t>1. XAI </a:t>
-            </a:r>
-            <a:r>
-              <a:rPr lang="ko-KR" altLang="en-US" sz="1400" dirty="0"/>
-              <a:t>적용 가장 쉬움</a:t>
-            </a:r>
-            <a:endParaRPr lang="en-US" altLang="ko-KR" sz="1400" dirty="0"/>
-          </a:p>
-          <a:p>
-            <a:r>
-              <a:rPr lang="ko-KR" altLang="en-US" sz="1400" dirty="0"/>
-              <a:t>시나리오</a:t>
-            </a:r>
-            <a:r>
-              <a:rPr lang="en-US" altLang="ko-KR" sz="1400" dirty="0"/>
-              <a:t>2. </a:t>
-            </a:r>
-            <a:r>
-              <a:rPr lang="ko-KR" altLang="en-US" sz="1400" dirty="0"/>
-              <a:t>방법별로 남아있는 변수는 </a:t>
-            </a:r>
-            <a:r>
-              <a:rPr lang="en-US" altLang="ko-KR" sz="1400" dirty="0"/>
-              <a:t>XAI </a:t>
-            </a:r>
-            <a:r>
-              <a:rPr lang="ko-KR" altLang="en-US" sz="1400" dirty="0"/>
-              <a:t>적용 가능</a:t>
-            </a:r>
-            <a:r>
-              <a:rPr lang="en-US" altLang="ko-KR" sz="1400" dirty="0"/>
-              <a:t>, </a:t>
-            </a:r>
-            <a:r>
-              <a:rPr lang="ko-KR" altLang="en-US" sz="1400" dirty="0"/>
-              <a:t>그렇지 않으면 불가능</a:t>
-            </a:r>
-            <a:endParaRPr lang="en-US" altLang="ko-KR" sz="1400" dirty="0"/>
-          </a:p>
-          <a:p>
-            <a:r>
-              <a:rPr lang="ko-KR" altLang="en-US" sz="1400" dirty="0"/>
-              <a:t>시나리오</a:t>
-            </a:r>
-            <a:r>
-              <a:rPr lang="en-US" altLang="ko-KR" sz="1400" dirty="0"/>
-              <a:t>3. XAI </a:t>
-            </a:r>
-            <a:r>
-              <a:rPr lang="ko-KR" altLang="en-US" sz="1400" dirty="0"/>
-              <a:t>적용 가능</a:t>
-            </a:r>
-            <a:endParaRPr lang="en-US" altLang="ko-KR" sz="1400" dirty="0"/>
+            <a:pPr algn="ctr"/>
+            <a:r>
+              <a:rPr lang="ko-KR" altLang="en-US" b="1" dirty="0">
+                <a:solidFill>
+                  <a:srgbClr val="002060"/>
+                </a:solidFill>
+              </a:rPr>
+              <a:t>변수 선택</a:t>
+            </a:r>
           </a:p>
         </p:txBody>
       </p:sp>
       <p:sp>
         <p:nvSpPr>
-          <p:cNvPr id="22" name="TextBox 21">
-            <a:extLst>
-              <a:ext uri="{FF2B5EF4-FFF2-40B4-BE49-F238E27FC236}">
-                <a16:creationId xmlns:a16="http://schemas.microsoft.com/office/drawing/2014/main" id="{13FA31DD-FB1C-4747-BF56-2A2A45AF62C6}"/>
+          <p:cNvPr id="40" name="TextBox 39">
+            <a:extLst>
+              <a:ext uri="{FF2B5EF4-FFF2-40B4-BE49-F238E27FC236}">
+                <a16:creationId xmlns:a16="http://schemas.microsoft.com/office/drawing/2014/main" id="{292ABBBF-125E-40E6-9AE8-05DC37FEFCE2}"/>
               </a:ext>
             </a:extLst>
           </p:cNvPr>
@@ -4507,8 +5078,8 @@
         </p:nvSpPr>
         <p:spPr>
           <a:xfrm>
-            <a:off x="2052952" y="4846531"/>
-            <a:ext cx="2987293" cy="954107"/>
+            <a:off x="4972484" y="4793778"/>
+            <a:ext cx="2240280" cy="369332"/>
           </a:xfrm>
           <a:prstGeom prst="rect">
             <a:avLst/>
@@ -4516,48 +5087,112 @@
           <a:noFill/>
         </p:spPr>
         <p:txBody>
-          <a:bodyPr wrap="none" rtlCol="0">
+          <a:bodyPr wrap="square" rtlCol="0">
             <a:spAutoFit/>
           </a:bodyPr>
           <a:lstStyle/>
           <a:p>
-            <a:r>
-              <a:rPr lang="en-US" altLang="ko-KR" sz="1400" dirty="0"/>
-              <a:t>XAI</a:t>
-            </a:r>
-            <a:r>
-              <a:rPr lang="ko-KR" altLang="en-US" sz="1400" dirty="0"/>
-              <a:t>는 무엇을 이뤄야 하는가</a:t>
-            </a:r>
-            <a:r>
-              <a:rPr lang="en-US" altLang="ko-KR" sz="1400" dirty="0"/>
-              <a:t>?</a:t>
-            </a:r>
-          </a:p>
-          <a:p>
-            <a:r>
-              <a:rPr lang="en-US" altLang="ko-KR" sz="1400" dirty="0"/>
-              <a:t>Priority #1: Global Pattern</a:t>
-            </a:r>
-          </a:p>
-          <a:p>
-            <a:r>
-              <a:rPr lang="en-US" altLang="ko-KR" sz="1400" dirty="0"/>
-              <a:t>Priority #2: Segment</a:t>
-            </a:r>
-            <a:r>
-              <a:rPr lang="ko-KR" altLang="en-US" sz="1400" dirty="0"/>
-              <a:t> </a:t>
-            </a:r>
-            <a:r>
-              <a:rPr lang="en-US" altLang="ko-KR" sz="1400" dirty="0"/>
-              <a:t>Pattern</a:t>
-            </a:r>
-          </a:p>
-          <a:p>
-            <a:r>
-              <a:rPr lang="en-US" altLang="ko-KR" sz="1400" dirty="0"/>
-              <a:t>Priority #3: Local(Personal) Pattern</a:t>
+            <a:pPr algn="ctr"/>
+            <a:r>
+              <a:rPr lang="ko-KR" altLang="en-US" b="1" dirty="0">
+                <a:solidFill>
+                  <a:srgbClr val="002060"/>
+                </a:solidFill>
+              </a:rPr>
+              <a:t>모델 최적화</a:t>
+            </a:r>
+          </a:p>
+        </p:txBody>
+      </p:sp>
+      <p:sp>
+        <p:nvSpPr>
+          <p:cNvPr id="41" name="TextBox 40">
+            <a:extLst>
+              <a:ext uri="{FF2B5EF4-FFF2-40B4-BE49-F238E27FC236}">
+                <a16:creationId xmlns:a16="http://schemas.microsoft.com/office/drawing/2014/main" id="{60C18F2C-6E99-4F3D-A8FE-3A4AFA23D124}"/>
+              </a:ext>
+            </a:extLst>
+          </p:cNvPr>
+          <p:cNvSpPr txBox="1"/>
+          <p:nvPr/>
+        </p:nvSpPr>
+        <p:spPr>
+          <a:xfrm>
+            <a:off x="8919843" y="3566222"/>
+            <a:ext cx="2240280" cy="369332"/>
+          </a:xfrm>
+          <a:prstGeom prst="rect">
+            <a:avLst/>
+          </a:prstGeom>
+          <a:noFill/>
+        </p:spPr>
+        <p:txBody>
+          <a:bodyPr wrap="square" rtlCol="0">
+            <a:spAutoFit/>
+          </a:bodyPr>
+          <a:lstStyle/>
+          <a:p>
+            <a:pPr algn="ctr"/>
+            <a:r>
+              <a:rPr lang="ko-KR" altLang="en-US" b="1">
+                <a:solidFill>
+                  <a:srgbClr val="002060"/>
+                </a:solidFill>
+              </a:rPr>
+              <a:t>모델 해석</a:t>
+            </a:r>
+            <a:endParaRPr lang="ko-KR" altLang="en-US" b="1" dirty="0">
+              <a:solidFill>
+                <a:srgbClr val="002060"/>
+              </a:solidFill>
+            </a:endParaRPr>
+          </a:p>
+        </p:txBody>
+      </p:sp>
+      <p:sp>
+        <p:nvSpPr>
+          <p:cNvPr id="42" name="TextBox 41">
+            <a:extLst>
+              <a:ext uri="{FF2B5EF4-FFF2-40B4-BE49-F238E27FC236}">
+                <a16:creationId xmlns:a16="http://schemas.microsoft.com/office/drawing/2014/main" id="{3CEA2E63-5A29-4E16-ADE2-DD92A7C2C47C}"/>
+              </a:ext>
+            </a:extLst>
+          </p:cNvPr>
+          <p:cNvSpPr txBox="1"/>
+          <p:nvPr/>
+        </p:nvSpPr>
+        <p:spPr>
+          <a:xfrm>
+            <a:off x="8919843" y="4874861"/>
+            <a:ext cx="2240280" cy="369332"/>
+          </a:xfrm>
+          <a:prstGeom prst="rect">
+            <a:avLst/>
+          </a:prstGeom>
+          <a:noFill/>
+        </p:spPr>
+        <p:txBody>
+          <a:bodyPr wrap="square" rtlCol="0">
+            <a:spAutoFit/>
+          </a:bodyPr>
+          <a:lstStyle/>
+          <a:p>
+            <a:pPr algn="ctr"/>
+            <a:r>
+              <a:rPr lang="en-US" altLang="ko-KR" b="1" dirty="0">
+                <a:solidFill>
+                  <a:srgbClr val="002060"/>
+                </a:solidFill>
+              </a:rPr>
+              <a:t>BI </a:t>
+            </a:r>
+            <a:r>
+              <a:rPr lang="ko-KR" altLang="en-US" b="1" dirty="0">
+                <a:solidFill>
+                  <a:srgbClr val="002060"/>
+                </a:solidFill>
+              </a:rPr>
+              <a:t>도출</a:t>
             </a:r>
           </a:p>
         </p:txBody>
@@ -4625,9 +5260,8 @@
                 <a:solidFill>
                   <a:srgbClr val="002060"/>
                 </a:solidFill>
-                <a:latin typeface="+mn-lt"/>
-              </a:rPr>
-              <a:t>모델링</a:t>
+              </a:rPr>
+              <a:t>변수 선택</a:t>
             </a:r>
           </a:p>
         </p:txBody>
@@ -4772,6 +5406,1309 @@
           </a:prstGeom>
         </p:spPr>
       </p:pic>
+      <p:sp>
+        <p:nvSpPr>
+          <p:cNvPr id="5" name="TextBox 4">
+            <a:extLst>
+              <a:ext uri="{FF2B5EF4-FFF2-40B4-BE49-F238E27FC236}">
+                <a16:creationId xmlns:a16="http://schemas.microsoft.com/office/drawing/2014/main" id="{2BDFD130-2758-4D3C-960B-27A7ADC6BFA4}"/>
+              </a:ext>
+            </a:extLst>
+          </p:cNvPr>
+          <p:cNvSpPr txBox="1"/>
+          <p:nvPr/>
+        </p:nvSpPr>
+        <p:spPr>
+          <a:xfrm>
+            <a:off x="701781" y="934221"/>
+            <a:ext cx="5146152" cy="738664"/>
+          </a:xfrm>
+          <a:prstGeom prst="rect">
+            <a:avLst/>
+          </a:prstGeom>
+          <a:noFill/>
+        </p:spPr>
+        <p:txBody>
+          <a:bodyPr wrap="none" rtlCol="0">
+            <a:spAutoFit/>
+          </a:bodyPr>
+          <a:lstStyle/>
+          <a:p>
+            <a:r>
+              <a:rPr lang="ko-KR" altLang="en-US" sz="1400" dirty="0"/>
+              <a:t>변수 선택 방법</a:t>
+            </a:r>
+            <a:r>
+              <a:rPr lang="en-US" altLang="ko-KR" sz="1400" dirty="0"/>
+              <a:t>: Feature Importance from tree-based model, </a:t>
+            </a:r>
+          </a:p>
+          <a:p>
+            <a:r>
+              <a:rPr lang="en-US" altLang="ko-KR" sz="1400" dirty="0">
+                <a:hlinkClick r:id="rId3"/>
+              </a:rPr>
+              <a:t>XGBoost</a:t>
+            </a:r>
+            <a:r>
+              <a:rPr lang="ko-KR" altLang="en-US" sz="1400" dirty="0">
+                <a:hlinkClick r:id="rId3"/>
+              </a:rPr>
+              <a:t> </a:t>
+            </a:r>
+            <a:r>
+              <a:rPr lang="en-US" altLang="ko-KR" sz="1400" dirty="0">
+                <a:hlinkClick r:id="rId3"/>
+              </a:rPr>
+              <a:t>Feature Importance </a:t>
+            </a:r>
+            <a:r>
+              <a:rPr lang="ko-KR" altLang="en-US" sz="1400" dirty="0">
+                <a:hlinkClick r:id="rId3"/>
+              </a:rPr>
+              <a:t>활용 </a:t>
+            </a:r>
+            <a:r>
+              <a:rPr lang="en-US" altLang="ko-KR" sz="1400" dirty="0">
+                <a:hlinkClick r:id="rId3"/>
+              </a:rPr>
+              <a:t>Feature Selection</a:t>
+            </a:r>
+            <a:endParaRPr lang="en-US" altLang="ko-KR" sz="1400" dirty="0"/>
+          </a:p>
+          <a:p>
+            <a:r>
+              <a:rPr lang="en-US" altLang="ko-KR" sz="1400" dirty="0"/>
+              <a:t>LASSO Feature Selection, RFE, KS-Test </a:t>
+            </a:r>
+            <a:r>
+              <a:rPr lang="ko-KR" altLang="en-US" sz="1400" dirty="0"/>
+              <a:t>등</a:t>
+            </a:r>
+          </a:p>
+        </p:txBody>
+      </p:sp>
+      <p:sp>
+        <p:nvSpPr>
+          <p:cNvPr id="8" name="TextBox 7">
+            <a:extLst>
+              <a:ext uri="{FF2B5EF4-FFF2-40B4-BE49-F238E27FC236}">
+                <a16:creationId xmlns:a16="http://schemas.microsoft.com/office/drawing/2014/main" id="{8AE90563-605F-47A4-8A37-59486A8708F8}"/>
+              </a:ext>
+            </a:extLst>
+          </p:cNvPr>
+          <p:cNvSpPr txBox="1"/>
+          <p:nvPr/>
+        </p:nvSpPr>
+        <p:spPr>
+          <a:xfrm>
+            <a:off x="2135506" y="1758673"/>
+            <a:ext cx="6062878" cy="738664"/>
+          </a:xfrm>
+          <a:prstGeom prst="rect">
+            <a:avLst/>
+          </a:prstGeom>
+          <a:noFill/>
+        </p:spPr>
+        <p:txBody>
+          <a:bodyPr wrap="none" rtlCol="0">
+            <a:spAutoFit/>
+          </a:bodyPr>
+          <a:lstStyle/>
+          <a:p>
+            <a:r>
+              <a:rPr lang="ko-KR" altLang="en-US" sz="1400" dirty="0">
+                <a:solidFill>
+                  <a:srgbClr val="FF0000"/>
+                </a:solidFill>
+              </a:rPr>
+              <a:t>시나리오</a:t>
+            </a:r>
+            <a:r>
+              <a:rPr lang="en-US" altLang="ko-KR" sz="1400" dirty="0">
+                <a:solidFill>
+                  <a:srgbClr val="FF0000"/>
+                </a:solidFill>
+              </a:rPr>
+              <a:t>1. </a:t>
+            </a:r>
+            <a:r>
+              <a:rPr lang="ko-KR" altLang="en-US" sz="1400" dirty="0">
+                <a:solidFill>
+                  <a:srgbClr val="FF0000"/>
+                </a:solidFill>
+              </a:rPr>
+              <a:t>변수 선택 일괄 진행</a:t>
+            </a:r>
+            <a:r>
+              <a:rPr lang="en-US" altLang="ko-KR" sz="1400" dirty="0">
+                <a:solidFill>
+                  <a:srgbClr val="FF0000"/>
+                </a:solidFill>
+              </a:rPr>
+              <a:t>,</a:t>
+            </a:r>
+            <a:r>
+              <a:rPr lang="ko-KR" altLang="en-US" sz="1400" dirty="0">
+                <a:solidFill>
+                  <a:srgbClr val="FF0000"/>
+                </a:solidFill>
+              </a:rPr>
+              <a:t> 모델링으로 넘어가기</a:t>
+            </a:r>
+            <a:r>
+              <a:rPr lang="en-US" altLang="ko-KR" sz="1400" dirty="0">
+                <a:solidFill>
+                  <a:srgbClr val="FF0000"/>
+                </a:solidFill>
+              </a:rPr>
+              <a:t>(</a:t>
+            </a:r>
+            <a:r>
+              <a:rPr lang="ko-KR" altLang="en-US" sz="1400" dirty="0">
+                <a:solidFill>
+                  <a:srgbClr val="FF0000"/>
+                </a:solidFill>
+              </a:rPr>
+              <a:t>현재 선택한 방안</a:t>
+            </a:r>
+            <a:r>
+              <a:rPr lang="en-US" altLang="ko-KR" sz="1400" dirty="0">
+                <a:solidFill>
+                  <a:srgbClr val="FF0000"/>
+                </a:solidFill>
+              </a:rPr>
+              <a:t>)</a:t>
+            </a:r>
+          </a:p>
+          <a:p>
+            <a:r>
+              <a:rPr lang="ko-KR" altLang="en-US" sz="1400" dirty="0"/>
+              <a:t>시나리오</a:t>
+            </a:r>
+            <a:r>
+              <a:rPr lang="en-US" altLang="ko-KR" sz="1400" dirty="0"/>
+              <a:t>2. </a:t>
+            </a:r>
+            <a:r>
+              <a:rPr lang="ko-KR" altLang="en-US" sz="1400" dirty="0"/>
+              <a:t>변수 선택 방법별로 모델링을 모두 진행</a:t>
+            </a:r>
+            <a:r>
+              <a:rPr lang="en-US" altLang="ko-KR" sz="1400" dirty="0"/>
+              <a:t>, </a:t>
+            </a:r>
+            <a:r>
+              <a:rPr lang="ko-KR" altLang="en-US" sz="1400" dirty="0"/>
+              <a:t>앙상블</a:t>
+            </a:r>
+            <a:endParaRPr lang="en-US" altLang="ko-KR" sz="1400" dirty="0"/>
+          </a:p>
+          <a:p>
+            <a:r>
+              <a:rPr lang="ko-KR" altLang="en-US" sz="1400" dirty="0"/>
+              <a:t>시나리오</a:t>
+            </a:r>
+            <a:r>
+              <a:rPr lang="en-US" altLang="ko-KR" sz="1400" dirty="0"/>
+              <a:t>3. </a:t>
+            </a:r>
+            <a:r>
+              <a:rPr lang="ko-KR" altLang="en-US" sz="1400" dirty="0"/>
+              <a:t>변수 선택 방법별 모델링 진행</a:t>
+            </a:r>
+            <a:r>
+              <a:rPr lang="en-US" altLang="ko-KR" sz="1400" dirty="0"/>
+              <a:t>, </a:t>
+            </a:r>
+            <a:r>
+              <a:rPr lang="ko-KR" altLang="en-US" sz="1400" dirty="0"/>
+              <a:t>가장 성능이 좋은 모델 사용</a:t>
+            </a:r>
+            <a:endParaRPr lang="en-US" altLang="ko-KR" sz="1400" dirty="0"/>
+          </a:p>
+        </p:txBody>
+      </p:sp>
+      <p:sp>
+        <p:nvSpPr>
+          <p:cNvPr id="15" name="TextBox 14">
+            <a:extLst>
+              <a:ext uri="{FF2B5EF4-FFF2-40B4-BE49-F238E27FC236}">
+                <a16:creationId xmlns:a16="http://schemas.microsoft.com/office/drawing/2014/main" id="{0A579A2D-5B5A-4664-934E-7F58C873CCA7}"/>
+              </a:ext>
+            </a:extLst>
+          </p:cNvPr>
+          <p:cNvSpPr txBox="1"/>
+          <p:nvPr/>
+        </p:nvSpPr>
+        <p:spPr>
+          <a:xfrm>
+            <a:off x="701781" y="2890901"/>
+            <a:ext cx="9077165" cy="307777"/>
+          </a:xfrm>
+          <a:prstGeom prst="rect">
+            <a:avLst/>
+          </a:prstGeom>
+          <a:noFill/>
+        </p:spPr>
+        <p:txBody>
+          <a:bodyPr wrap="none" rtlCol="0">
+            <a:spAutoFit/>
+          </a:bodyPr>
+          <a:lstStyle/>
+          <a:p>
+            <a:r>
+              <a:rPr lang="ko-KR" altLang="en-US" sz="1400" dirty="0"/>
+              <a:t>고려할 부분들</a:t>
+            </a:r>
+            <a:r>
+              <a:rPr lang="en-US" altLang="ko-KR" sz="1400" dirty="0"/>
+              <a:t>: XAI</a:t>
+            </a:r>
+            <a:r>
+              <a:rPr lang="ko-KR" altLang="en-US" sz="1400" dirty="0"/>
+              <a:t>로 잘 넘겨줄 수 있느냐</a:t>
+            </a:r>
+            <a:r>
+              <a:rPr lang="en-US" altLang="ko-KR" sz="1400" dirty="0"/>
+              <a:t>? =&gt; Feature Selection</a:t>
+            </a:r>
+            <a:r>
+              <a:rPr lang="ko-KR" altLang="en-US" sz="1400" dirty="0"/>
+              <a:t>을 하면</a:t>
+            </a:r>
+            <a:r>
+              <a:rPr lang="en-US" altLang="ko-KR" sz="1400" dirty="0"/>
+              <a:t>, </a:t>
+            </a:r>
+            <a:r>
+              <a:rPr lang="ko-KR" altLang="en-US" sz="1400" dirty="0"/>
+              <a:t>설명 불가능한 변수는 무조건 생긴다</a:t>
+            </a:r>
+            <a:endParaRPr lang="en-US" altLang="ko-KR" sz="1400" dirty="0"/>
+          </a:p>
+        </p:txBody>
+      </p:sp>
+      <p:sp>
+        <p:nvSpPr>
+          <p:cNvPr id="21" name="TextBox 20">
+            <a:extLst>
+              <a:ext uri="{FF2B5EF4-FFF2-40B4-BE49-F238E27FC236}">
+                <a16:creationId xmlns:a16="http://schemas.microsoft.com/office/drawing/2014/main" id="{A58250FE-9D8E-48A2-BE27-E5ED873BC485}"/>
+              </a:ext>
+            </a:extLst>
+          </p:cNvPr>
+          <p:cNvSpPr txBox="1"/>
+          <p:nvPr/>
+        </p:nvSpPr>
+        <p:spPr>
+          <a:xfrm>
+            <a:off x="2052952" y="3391137"/>
+            <a:ext cx="6227987" cy="738664"/>
+          </a:xfrm>
+          <a:prstGeom prst="rect">
+            <a:avLst/>
+          </a:prstGeom>
+          <a:noFill/>
+        </p:spPr>
+        <p:txBody>
+          <a:bodyPr wrap="none" rtlCol="0">
+            <a:spAutoFit/>
+          </a:bodyPr>
+          <a:lstStyle/>
+          <a:p>
+            <a:r>
+              <a:rPr lang="ko-KR" altLang="en-US" sz="1400" dirty="0"/>
+              <a:t>시나리오</a:t>
+            </a:r>
+            <a:r>
+              <a:rPr lang="en-US" altLang="ko-KR" sz="1400" dirty="0"/>
+              <a:t>1. XAI </a:t>
+            </a:r>
+            <a:r>
+              <a:rPr lang="ko-KR" altLang="en-US" sz="1400" dirty="0"/>
+              <a:t>적용 가장 쉬움</a:t>
+            </a:r>
+            <a:endParaRPr lang="en-US" altLang="ko-KR" sz="1400" dirty="0"/>
+          </a:p>
+          <a:p>
+            <a:r>
+              <a:rPr lang="ko-KR" altLang="en-US" sz="1400" dirty="0"/>
+              <a:t>시나리오</a:t>
+            </a:r>
+            <a:r>
+              <a:rPr lang="en-US" altLang="ko-KR" sz="1400" dirty="0"/>
+              <a:t>2. </a:t>
+            </a:r>
+            <a:r>
+              <a:rPr lang="ko-KR" altLang="en-US" sz="1400" dirty="0"/>
+              <a:t>방법별로 남아있는 변수는 </a:t>
+            </a:r>
+            <a:r>
+              <a:rPr lang="en-US" altLang="ko-KR" sz="1400" dirty="0"/>
+              <a:t>XAI </a:t>
+            </a:r>
+            <a:r>
+              <a:rPr lang="ko-KR" altLang="en-US" sz="1400" dirty="0"/>
+              <a:t>적용 가능</a:t>
+            </a:r>
+            <a:r>
+              <a:rPr lang="en-US" altLang="ko-KR" sz="1400" dirty="0"/>
+              <a:t>, </a:t>
+            </a:r>
+            <a:r>
+              <a:rPr lang="ko-KR" altLang="en-US" sz="1400" dirty="0"/>
+              <a:t>그렇지 않으면 불가능</a:t>
+            </a:r>
+            <a:endParaRPr lang="en-US" altLang="ko-KR" sz="1400" dirty="0"/>
+          </a:p>
+          <a:p>
+            <a:r>
+              <a:rPr lang="ko-KR" altLang="en-US" sz="1400" dirty="0"/>
+              <a:t>시나리오</a:t>
+            </a:r>
+            <a:r>
+              <a:rPr lang="en-US" altLang="ko-KR" sz="1400" dirty="0"/>
+              <a:t>3. XAI </a:t>
+            </a:r>
+            <a:r>
+              <a:rPr lang="ko-KR" altLang="en-US" sz="1400" dirty="0"/>
+              <a:t>적용 가능</a:t>
+            </a:r>
+            <a:endParaRPr lang="en-US" altLang="ko-KR" sz="1400" dirty="0"/>
+          </a:p>
+        </p:txBody>
+      </p:sp>
+      <p:sp>
+        <p:nvSpPr>
+          <p:cNvPr id="22" name="TextBox 21">
+            <a:extLst>
+              <a:ext uri="{FF2B5EF4-FFF2-40B4-BE49-F238E27FC236}">
+                <a16:creationId xmlns:a16="http://schemas.microsoft.com/office/drawing/2014/main" id="{13FA31DD-FB1C-4747-BF56-2A2A45AF62C6}"/>
+              </a:ext>
+            </a:extLst>
+          </p:cNvPr>
+          <p:cNvSpPr txBox="1"/>
+          <p:nvPr/>
+        </p:nvSpPr>
+        <p:spPr>
+          <a:xfrm>
+            <a:off x="2052952" y="4846531"/>
+            <a:ext cx="2987293" cy="954107"/>
+          </a:xfrm>
+          <a:prstGeom prst="rect">
+            <a:avLst/>
+          </a:prstGeom>
+          <a:noFill/>
+        </p:spPr>
+        <p:txBody>
+          <a:bodyPr wrap="none" rtlCol="0">
+            <a:spAutoFit/>
+          </a:bodyPr>
+          <a:lstStyle/>
+          <a:p>
+            <a:r>
+              <a:rPr lang="en-US" altLang="ko-KR" sz="1400" dirty="0"/>
+              <a:t>XAI</a:t>
+            </a:r>
+            <a:r>
+              <a:rPr lang="ko-KR" altLang="en-US" sz="1400" dirty="0"/>
+              <a:t>는 무엇을 이뤄야 하는가</a:t>
+            </a:r>
+            <a:r>
+              <a:rPr lang="en-US" altLang="ko-KR" sz="1400" dirty="0"/>
+              <a:t>?</a:t>
+            </a:r>
+          </a:p>
+          <a:p>
+            <a:r>
+              <a:rPr lang="en-US" altLang="ko-KR" sz="1400" dirty="0"/>
+              <a:t>Priority #1: Global Pattern</a:t>
+            </a:r>
+          </a:p>
+          <a:p>
+            <a:r>
+              <a:rPr lang="en-US" altLang="ko-KR" sz="1400" dirty="0"/>
+              <a:t>Priority #2: Segment</a:t>
+            </a:r>
+            <a:r>
+              <a:rPr lang="ko-KR" altLang="en-US" sz="1400" dirty="0"/>
+              <a:t> </a:t>
+            </a:r>
+            <a:r>
+              <a:rPr lang="en-US" altLang="ko-KR" sz="1400" dirty="0"/>
+              <a:t>Pattern</a:t>
+            </a:r>
+          </a:p>
+          <a:p>
+            <a:r>
+              <a:rPr lang="en-US" altLang="ko-KR" sz="1400" dirty="0"/>
+              <a:t>Priority #3: Local(Personal) Pattern</a:t>
+            </a:r>
+          </a:p>
+        </p:txBody>
+      </p:sp>
+    </p:spTree>
+    <p:extLst>
+      <p:ext uri="{BB962C8B-B14F-4D97-AF65-F5344CB8AC3E}">
+        <p14:creationId xmlns:p14="http://schemas.microsoft.com/office/powerpoint/2010/main" val="3786991245"/>
+      </p:ext>
+    </p:extLst>
+  </p:cSld>
+  <p:clrMapOvr>
+    <a:masterClrMapping/>
+  </p:clrMapOvr>
+</p:sld>
+</file>
+
+<file path=ppt/slides/slide4.xml><?xml version="1.0" encoding="utf-8"?>
+<p:sld xmlns:a="http://schemas.openxmlformats.org/drawingml/2006/main" xmlns:r="http://schemas.openxmlformats.org/officeDocument/2006/relationships" xmlns:p="http://schemas.openxmlformats.org/presentationml/2006/main">
+  <p:cSld>
+    <p:spTree>
+      <p:nvGrpSpPr>
+        <p:cNvPr id="1" name=""/>
+        <p:cNvGrpSpPr/>
+        <p:nvPr/>
+      </p:nvGrpSpPr>
+      <p:grpSpPr>
+        <a:xfrm>
+          <a:off x="0" y="0"/>
+          <a:ext cx="0" cy="0"/>
+          <a:chOff x="0" y="0"/>
+          <a:chExt cx="0" cy="0"/>
+        </a:xfrm>
+      </p:grpSpPr>
+      <p:sp>
+        <p:nvSpPr>
+          <p:cNvPr id="9" name="제목 8">
+            <a:extLst>
+              <a:ext uri="{FF2B5EF4-FFF2-40B4-BE49-F238E27FC236}">
+                <a16:creationId xmlns:a16="http://schemas.microsoft.com/office/drawing/2014/main" id="{9A71B767-6390-44D0-8890-A5794F817826}"/>
+              </a:ext>
+            </a:extLst>
+          </p:cNvPr>
+          <p:cNvSpPr>
+            <a:spLocks noGrp="1"/>
+          </p:cNvSpPr>
+          <p:nvPr>
+            <p:ph type="title"/>
+          </p:nvPr>
+        </p:nvSpPr>
+        <p:spPr>
+          <a:xfrm>
+            <a:off x="515938" y="154546"/>
+            <a:ext cx="11160124" cy="432825"/>
+          </a:xfrm>
+        </p:spPr>
+        <p:txBody>
+          <a:bodyPr anchor="ctr">
+            <a:noAutofit/>
+          </a:bodyPr>
+          <a:lstStyle/>
+          <a:p>
+            <a:r>
+              <a:rPr lang="ko-KR" altLang="en-US" sz="2400" b="1" dirty="0">
+                <a:solidFill>
+                  <a:srgbClr val="002060"/>
+                </a:solidFill>
+              </a:rPr>
+              <a:t>변수 선택</a:t>
+            </a:r>
+          </a:p>
+        </p:txBody>
+      </p:sp>
+      <p:sp>
+        <p:nvSpPr>
+          <p:cNvPr id="11" name="직사각형 10">
+            <a:extLst>
+              <a:ext uri="{FF2B5EF4-FFF2-40B4-BE49-F238E27FC236}">
+                <a16:creationId xmlns:a16="http://schemas.microsoft.com/office/drawing/2014/main" id="{AC46C5D5-40D6-40B2-A720-8B655A919615}"/>
+              </a:ext>
+            </a:extLst>
+          </p:cNvPr>
+          <p:cNvSpPr/>
+          <p:nvPr/>
+        </p:nvSpPr>
+        <p:spPr>
+          <a:xfrm flipV="1">
+            <a:off x="515937" y="587370"/>
+            <a:ext cx="11160125" cy="69852"/>
+          </a:xfrm>
+          <a:prstGeom prst="rect">
+            <a:avLst/>
+          </a:prstGeom>
+          <a:solidFill>
+            <a:srgbClr val="04469F"/>
+          </a:solidFill>
+          <a:ln>
+            <a:noFill/>
+          </a:ln>
+        </p:spPr>
+        <p:style>
+          <a:lnRef idx="2">
+            <a:schemeClr val="accent1">
+              <a:shade val="50000"/>
+            </a:schemeClr>
+          </a:lnRef>
+          <a:fillRef idx="1">
+            <a:schemeClr val="accent1"/>
+          </a:fillRef>
+          <a:effectRef idx="0">
+            <a:schemeClr val="accent1"/>
+          </a:effectRef>
+          <a:fontRef idx="minor">
+            <a:schemeClr val="lt1"/>
+          </a:fontRef>
+        </p:style>
+        <p:txBody>
+          <a:bodyPr rtlCol="0" anchor="ctr"/>
+          <a:lstStyle/>
+          <a:p>
+            <a:pPr algn="ctr"/>
+            <a:endParaRPr lang="ko-KR" altLang="en-US"/>
+          </a:p>
+        </p:txBody>
+      </p:sp>
+      <p:sp>
+        <p:nvSpPr>
+          <p:cNvPr id="10" name="직사각형 9">
+            <a:extLst>
+              <a:ext uri="{FF2B5EF4-FFF2-40B4-BE49-F238E27FC236}">
+                <a16:creationId xmlns:a16="http://schemas.microsoft.com/office/drawing/2014/main" id="{02601608-74E6-45F8-A527-F37F510CC4F5}"/>
+              </a:ext>
+            </a:extLst>
+          </p:cNvPr>
+          <p:cNvSpPr/>
+          <p:nvPr/>
+        </p:nvSpPr>
+        <p:spPr>
+          <a:xfrm flipV="1">
+            <a:off x="515936" y="6517369"/>
+            <a:ext cx="10644187" cy="69852"/>
+          </a:xfrm>
+          <a:prstGeom prst="rect">
+            <a:avLst/>
+          </a:prstGeom>
+          <a:solidFill>
+            <a:srgbClr val="04469F"/>
+          </a:solidFill>
+          <a:ln>
+            <a:noFill/>
+          </a:ln>
+        </p:spPr>
+        <p:style>
+          <a:lnRef idx="2">
+            <a:schemeClr val="accent1">
+              <a:shade val="50000"/>
+            </a:schemeClr>
+          </a:lnRef>
+          <a:fillRef idx="1">
+            <a:schemeClr val="accent1"/>
+          </a:fillRef>
+          <a:effectRef idx="0">
+            <a:schemeClr val="accent1"/>
+          </a:effectRef>
+          <a:fontRef idx="minor">
+            <a:schemeClr val="lt1"/>
+          </a:fontRef>
+        </p:style>
+        <p:txBody>
+          <a:bodyPr rtlCol="0" anchor="ctr"/>
+          <a:lstStyle/>
+          <a:p>
+            <a:pPr algn="ctr"/>
+            <a:endParaRPr lang="ko-KR" altLang="en-US"/>
+          </a:p>
+        </p:txBody>
+      </p:sp>
+      <p:pic>
+        <p:nvPicPr>
+          <p:cNvPr id="16" name="그림 15" descr="그리기, 플레이트이(가) 표시된 사진&#10;&#10;자동 생성된 설명">
+            <a:extLst>
+              <a:ext uri="{FF2B5EF4-FFF2-40B4-BE49-F238E27FC236}">
+                <a16:creationId xmlns:a16="http://schemas.microsoft.com/office/drawing/2014/main" id="{3A24CC0F-5232-4DF8-BCBA-7BD6592FFCD5}"/>
+              </a:ext>
+            </a:extLst>
+          </p:cNvPr>
+          <p:cNvPicPr>
+            <a:picLocks noChangeAspect="1"/>
+          </p:cNvPicPr>
+          <p:nvPr/>
+        </p:nvPicPr>
+        <p:blipFill>
+          <a:blip r:embed="rId2">
+            <a:extLst>
+              <a:ext uri="{28A0092B-C50C-407E-A947-70E740481C1C}">
+                <a14:useLocalDpi xmlns:a14="http://schemas.microsoft.com/office/drawing/2010/main" val="0"/>
+              </a:ext>
+            </a:extLst>
+          </a:blip>
+          <a:stretch>
+            <a:fillRect/>
+          </a:stretch>
+        </p:blipFill>
+        <p:spPr>
+          <a:xfrm>
+            <a:off x="11308874" y="6517369"/>
+            <a:ext cx="734376" cy="281290"/>
+          </a:xfrm>
+          <a:prstGeom prst="rect">
+            <a:avLst/>
+          </a:prstGeom>
+        </p:spPr>
+      </p:pic>
+      <p:sp>
+        <p:nvSpPr>
+          <p:cNvPr id="5" name="TextBox 4">
+            <a:extLst>
+              <a:ext uri="{FF2B5EF4-FFF2-40B4-BE49-F238E27FC236}">
+                <a16:creationId xmlns:a16="http://schemas.microsoft.com/office/drawing/2014/main" id="{2BDFD130-2758-4D3C-960B-27A7ADC6BFA4}"/>
+              </a:ext>
+            </a:extLst>
+          </p:cNvPr>
+          <p:cNvSpPr txBox="1"/>
+          <p:nvPr/>
+        </p:nvSpPr>
+        <p:spPr>
+          <a:xfrm>
+            <a:off x="701781" y="934221"/>
+            <a:ext cx="5146152" cy="738664"/>
+          </a:xfrm>
+          <a:prstGeom prst="rect">
+            <a:avLst/>
+          </a:prstGeom>
+          <a:noFill/>
+        </p:spPr>
+        <p:txBody>
+          <a:bodyPr wrap="none" rtlCol="0">
+            <a:spAutoFit/>
+          </a:bodyPr>
+          <a:lstStyle/>
+          <a:p>
+            <a:r>
+              <a:rPr lang="ko-KR" altLang="en-US" sz="1400" dirty="0"/>
+              <a:t>변수 선택 방법</a:t>
+            </a:r>
+            <a:r>
+              <a:rPr lang="en-US" altLang="ko-KR" sz="1400" dirty="0"/>
+              <a:t>: Feature Importance from tree-based model, </a:t>
+            </a:r>
+          </a:p>
+          <a:p>
+            <a:r>
+              <a:rPr lang="en-US" altLang="ko-KR" sz="1400" dirty="0">
+                <a:hlinkClick r:id="rId3"/>
+              </a:rPr>
+              <a:t>XGBoost</a:t>
+            </a:r>
+            <a:r>
+              <a:rPr lang="ko-KR" altLang="en-US" sz="1400" dirty="0">
+                <a:hlinkClick r:id="rId3"/>
+              </a:rPr>
+              <a:t> </a:t>
+            </a:r>
+            <a:r>
+              <a:rPr lang="en-US" altLang="ko-KR" sz="1400" dirty="0">
+                <a:hlinkClick r:id="rId3"/>
+              </a:rPr>
+              <a:t>Feature Importance </a:t>
+            </a:r>
+            <a:r>
+              <a:rPr lang="ko-KR" altLang="en-US" sz="1400" dirty="0">
+                <a:hlinkClick r:id="rId3"/>
+              </a:rPr>
+              <a:t>활용 </a:t>
+            </a:r>
+            <a:r>
+              <a:rPr lang="en-US" altLang="ko-KR" sz="1400" dirty="0">
+                <a:hlinkClick r:id="rId3"/>
+              </a:rPr>
+              <a:t>Feature Selection</a:t>
+            </a:r>
+            <a:endParaRPr lang="en-US" altLang="ko-KR" sz="1400" dirty="0"/>
+          </a:p>
+          <a:p>
+            <a:r>
+              <a:rPr lang="en-US" altLang="ko-KR" sz="1400" dirty="0"/>
+              <a:t>LASSO Feature Selection, RFE, KS-Test </a:t>
+            </a:r>
+            <a:r>
+              <a:rPr lang="ko-KR" altLang="en-US" sz="1400" dirty="0"/>
+              <a:t>등</a:t>
+            </a:r>
+          </a:p>
+        </p:txBody>
+      </p:sp>
+      <p:sp>
+        <p:nvSpPr>
+          <p:cNvPr id="8" name="TextBox 7">
+            <a:extLst>
+              <a:ext uri="{FF2B5EF4-FFF2-40B4-BE49-F238E27FC236}">
+                <a16:creationId xmlns:a16="http://schemas.microsoft.com/office/drawing/2014/main" id="{8AE90563-605F-47A4-8A37-59486A8708F8}"/>
+              </a:ext>
+            </a:extLst>
+          </p:cNvPr>
+          <p:cNvSpPr txBox="1"/>
+          <p:nvPr/>
+        </p:nvSpPr>
+        <p:spPr>
+          <a:xfrm>
+            <a:off x="2135506" y="1758673"/>
+            <a:ext cx="6062878" cy="738664"/>
+          </a:xfrm>
+          <a:prstGeom prst="rect">
+            <a:avLst/>
+          </a:prstGeom>
+          <a:noFill/>
+        </p:spPr>
+        <p:txBody>
+          <a:bodyPr wrap="none" rtlCol="0">
+            <a:spAutoFit/>
+          </a:bodyPr>
+          <a:lstStyle/>
+          <a:p>
+            <a:r>
+              <a:rPr lang="ko-KR" altLang="en-US" sz="1400" dirty="0">
+                <a:solidFill>
+                  <a:srgbClr val="FF0000"/>
+                </a:solidFill>
+              </a:rPr>
+              <a:t>시나리오</a:t>
+            </a:r>
+            <a:r>
+              <a:rPr lang="en-US" altLang="ko-KR" sz="1400" dirty="0">
+                <a:solidFill>
+                  <a:srgbClr val="FF0000"/>
+                </a:solidFill>
+              </a:rPr>
+              <a:t>1. </a:t>
+            </a:r>
+            <a:r>
+              <a:rPr lang="ko-KR" altLang="en-US" sz="1400" dirty="0">
+                <a:solidFill>
+                  <a:srgbClr val="FF0000"/>
+                </a:solidFill>
+              </a:rPr>
+              <a:t>변수 선택 일괄 진행</a:t>
+            </a:r>
+            <a:r>
+              <a:rPr lang="en-US" altLang="ko-KR" sz="1400" dirty="0">
+                <a:solidFill>
+                  <a:srgbClr val="FF0000"/>
+                </a:solidFill>
+              </a:rPr>
+              <a:t>,</a:t>
+            </a:r>
+            <a:r>
+              <a:rPr lang="ko-KR" altLang="en-US" sz="1400" dirty="0">
+                <a:solidFill>
+                  <a:srgbClr val="FF0000"/>
+                </a:solidFill>
+              </a:rPr>
+              <a:t> 모델링으로 넘어가기</a:t>
+            </a:r>
+            <a:r>
+              <a:rPr lang="en-US" altLang="ko-KR" sz="1400" dirty="0">
+                <a:solidFill>
+                  <a:srgbClr val="FF0000"/>
+                </a:solidFill>
+              </a:rPr>
+              <a:t>(</a:t>
+            </a:r>
+            <a:r>
+              <a:rPr lang="ko-KR" altLang="en-US" sz="1400" dirty="0">
+                <a:solidFill>
+                  <a:srgbClr val="FF0000"/>
+                </a:solidFill>
+              </a:rPr>
+              <a:t>현재 선택한 방안</a:t>
+            </a:r>
+            <a:r>
+              <a:rPr lang="en-US" altLang="ko-KR" sz="1400" dirty="0">
+                <a:solidFill>
+                  <a:srgbClr val="FF0000"/>
+                </a:solidFill>
+              </a:rPr>
+              <a:t>)</a:t>
+            </a:r>
+          </a:p>
+          <a:p>
+            <a:r>
+              <a:rPr lang="ko-KR" altLang="en-US" sz="1400" dirty="0"/>
+              <a:t>시나리오</a:t>
+            </a:r>
+            <a:r>
+              <a:rPr lang="en-US" altLang="ko-KR" sz="1400" dirty="0"/>
+              <a:t>2. </a:t>
+            </a:r>
+            <a:r>
+              <a:rPr lang="ko-KR" altLang="en-US" sz="1400" dirty="0"/>
+              <a:t>변수 선택 방법별로 모델링을 모두 진행</a:t>
+            </a:r>
+            <a:r>
+              <a:rPr lang="en-US" altLang="ko-KR" sz="1400" dirty="0"/>
+              <a:t>, </a:t>
+            </a:r>
+            <a:r>
+              <a:rPr lang="ko-KR" altLang="en-US" sz="1400" dirty="0"/>
+              <a:t>앙상블</a:t>
+            </a:r>
+            <a:endParaRPr lang="en-US" altLang="ko-KR" sz="1400" dirty="0"/>
+          </a:p>
+          <a:p>
+            <a:r>
+              <a:rPr lang="ko-KR" altLang="en-US" sz="1400" dirty="0"/>
+              <a:t>시나리오</a:t>
+            </a:r>
+            <a:r>
+              <a:rPr lang="en-US" altLang="ko-KR" sz="1400" dirty="0"/>
+              <a:t>3. </a:t>
+            </a:r>
+            <a:r>
+              <a:rPr lang="ko-KR" altLang="en-US" sz="1400" dirty="0"/>
+              <a:t>변수 선택 방법별 모델링 진행</a:t>
+            </a:r>
+            <a:r>
+              <a:rPr lang="en-US" altLang="ko-KR" sz="1400" dirty="0"/>
+              <a:t>, </a:t>
+            </a:r>
+            <a:r>
+              <a:rPr lang="ko-KR" altLang="en-US" sz="1400" dirty="0"/>
+              <a:t>가장 성능이 좋은 모델 사용</a:t>
+            </a:r>
+            <a:endParaRPr lang="en-US" altLang="ko-KR" sz="1400" dirty="0"/>
+          </a:p>
+        </p:txBody>
+      </p:sp>
+      <p:sp>
+        <p:nvSpPr>
+          <p:cNvPr id="15" name="TextBox 14">
+            <a:extLst>
+              <a:ext uri="{FF2B5EF4-FFF2-40B4-BE49-F238E27FC236}">
+                <a16:creationId xmlns:a16="http://schemas.microsoft.com/office/drawing/2014/main" id="{0A579A2D-5B5A-4664-934E-7F58C873CCA7}"/>
+              </a:ext>
+            </a:extLst>
+          </p:cNvPr>
+          <p:cNvSpPr txBox="1"/>
+          <p:nvPr/>
+        </p:nvSpPr>
+        <p:spPr>
+          <a:xfrm>
+            <a:off x="701781" y="2890901"/>
+            <a:ext cx="9077165" cy="307777"/>
+          </a:xfrm>
+          <a:prstGeom prst="rect">
+            <a:avLst/>
+          </a:prstGeom>
+          <a:noFill/>
+        </p:spPr>
+        <p:txBody>
+          <a:bodyPr wrap="none" rtlCol="0">
+            <a:spAutoFit/>
+          </a:bodyPr>
+          <a:lstStyle/>
+          <a:p>
+            <a:r>
+              <a:rPr lang="ko-KR" altLang="en-US" sz="1400" dirty="0"/>
+              <a:t>고려할 부분들</a:t>
+            </a:r>
+            <a:r>
+              <a:rPr lang="en-US" altLang="ko-KR" sz="1400" dirty="0"/>
+              <a:t>: XAI</a:t>
+            </a:r>
+            <a:r>
+              <a:rPr lang="ko-KR" altLang="en-US" sz="1400" dirty="0"/>
+              <a:t>로 잘 넘겨줄 수 있느냐</a:t>
+            </a:r>
+            <a:r>
+              <a:rPr lang="en-US" altLang="ko-KR" sz="1400" dirty="0"/>
+              <a:t>? =&gt; Feature Selection</a:t>
+            </a:r>
+            <a:r>
+              <a:rPr lang="ko-KR" altLang="en-US" sz="1400" dirty="0"/>
+              <a:t>을 하면</a:t>
+            </a:r>
+            <a:r>
+              <a:rPr lang="en-US" altLang="ko-KR" sz="1400" dirty="0"/>
+              <a:t>, </a:t>
+            </a:r>
+            <a:r>
+              <a:rPr lang="ko-KR" altLang="en-US" sz="1400" dirty="0"/>
+              <a:t>설명 불가능한 변수는 무조건 생긴다</a:t>
+            </a:r>
+            <a:endParaRPr lang="en-US" altLang="ko-KR" sz="1400" dirty="0"/>
+          </a:p>
+        </p:txBody>
+      </p:sp>
+      <p:sp>
+        <p:nvSpPr>
+          <p:cNvPr id="21" name="TextBox 20">
+            <a:extLst>
+              <a:ext uri="{FF2B5EF4-FFF2-40B4-BE49-F238E27FC236}">
+                <a16:creationId xmlns:a16="http://schemas.microsoft.com/office/drawing/2014/main" id="{A58250FE-9D8E-48A2-BE27-E5ED873BC485}"/>
+              </a:ext>
+            </a:extLst>
+          </p:cNvPr>
+          <p:cNvSpPr txBox="1"/>
+          <p:nvPr/>
+        </p:nvSpPr>
+        <p:spPr>
+          <a:xfrm>
+            <a:off x="2052952" y="3391137"/>
+            <a:ext cx="6227987" cy="738664"/>
+          </a:xfrm>
+          <a:prstGeom prst="rect">
+            <a:avLst/>
+          </a:prstGeom>
+          <a:noFill/>
+        </p:spPr>
+        <p:txBody>
+          <a:bodyPr wrap="none" rtlCol="0">
+            <a:spAutoFit/>
+          </a:bodyPr>
+          <a:lstStyle/>
+          <a:p>
+            <a:r>
+              <a:rPr lang="ko-KR" altLang="en-US" sz="1400" dirty="0"/>
+              <a:t>시나리오</a:t>
+            </a:r>
+            <a:r>
+              <a:rPr lang="en-US" altLang="ko-KR" sz="1400" dirty="0"/>
+              <a:t>1. XAI </a:t>
+            </a:r>
+            <a:r>
+              <a:rPr lang="ko-KR" altLang="en-US" sz="1400" dirty="0"/>
+              <a:t>적용 가장 쉬움</a:t>
+            </a:r>
+            <a:endParaRPr lang="en-US" altLang="ko-KR" sz="1400" dirty="0"/>
+          </a:p>
+          <a:p>
+            <a:r>
+              <a:rPr lang="ko-KR" altLang="en-US" sz="1400" dirty="0"/>
+              <a:t>시나리오</a:t>
+            </a:r>
+            <a:r>
+              <a:rPr lang="en-US" altLang="ko-KR" sz="1400" dirty="0"/>
+              <a:t>2. </a:t>
+            </a:r>
+            <a:r>
+              <a:rPr lang="ko-KR" altLang="en-US" sz="1400" dirty="0"/>
+              <a:t>방법별로 남아있는 변수는 </a:t>
+            </a:r>
+            <a:r>
+              <a:rPr lang="en-US" altLang="ko-KR" sz="1400" dirty="0"/>
+              <a:t>XAI </a:t>
+            </a:r>
+            <a:r>
+              <a:rPr lang="ko-KR" altLang="en-US" sz="1400" dirty="0"/>
+              <a:t>적용 가능</a:t>
+            </a:r>
+            <a:r>
+              <a:rPr lang="en-US" altLang="ko-KR" sz="1400" dirty="0"/>
+              <a:t>, </a:t>
+            </a:r>
+            <a:r>
+              <a:rPr lang="ko-KR" altLang="en-US" sz="1400" dirty="0"/>
+              <a:t>그렇지 않으면 불가능</a:t>
+            </a:r>
+            <a:endParaRPr lang="en-US" altLang="ko-KR" sz="1400" dirty="0"/>
+          </a:p>
+          <a:p>
+            <a:r>
+              <a:rPr lang="ko-KR" altLang="en-US" sz="1400" dirty="0"/>
+              <a:t>시나리오</a:t>
+            </a:r>
+            <a:r>
+              <a:rPr lang="en-US" altLang="ko-KR" sz="1400" dirty="0"/>
+              <a:t>3. XAI </a:t>
+            </a:r>
+            <a:r>
+              <a:rPr lang="ko-KR" altLang="en-US" sz="1400" dirty="0"/>
+              <a:t>적용 가능</a:t>
+            </a:r>
+            <a:endParaRPr lang="en-US" altLang="ko-KR" sz="1400" dirty="0"/>
+          </a:p>
+        </p:txBody>
+      </p:sp>
+      <p:sp>
+        <p:nvSpPr>
+          <p:cNvPr id="22" name="TextBox 21">
+            <a:extLst>
+              <a:ext uri="{FF2B5EF4-FFF2-40B4-BE49-F238E27FC236}">
+                <a16:creationId xmlns:a16="http://schemas.microsoft.com/office/drawing/2014/main" id="{13FA31DD-FB1C-4747-BF56-2A2A45AF62C6}"/>
+              </a:ext>
+            </a:extLst>
+          </p:cNvPr>
+          <p:cNvSpPr txBox="1"/>
+          <p:nvPr/>
+        </p:nvSpPr>
+        <p:spPr>
+          <a:xfrm>
+            <a:off x="2052952" y="4846531"/>
+            <a:ext cx="2987293" cy="954107"/>
+          </a:xfrm>
+          <a:prstGeom prst="rect">
+            <a:avLst/>
+          </a:prstGeom>
+          <a:noFill/>
+        </p:spPr>
+        <p:txBody>
+          <a:bodyPr wrap="none" rtlCol="0">
+            <a:spAutoFit/>
+          </a:bodyPr>
+          <a:lstStyle/>
+          <a:p>
+            <a:r>
+              <a:rPr lang="en-US" altLang="ko-KR" sz="1400" dirty="0"/>
+              <a:t>XAI</a:t>
+            </a:r>
+            <a:r>
+              <a:rPr lang="ko-KR" altLang="en-US" sz="1400" dirty="0"/>
+              <a:t>는 무엇을 이뤄야 하는가</a:t>
+            </a:r>
+            <a:r>
+              <a:rPr lang="en-US" altLang="ko-KR" sz="1400" dirty="0"/>
+              <a:t>?</a:t>
+            </a:r>
+          </a:p>
+          <a:p>
+            <a:r>
+              <a:rPr lang="en-US" altLang="ko-KR" sz="1400" dirty="0"/>
+              <a:t>Priority #1: Global Pattern</a:t>
+            </a:r>
+          </a:p>
+          <a:p>
+            <a:r>
+              <a:rPr lang="en-US" altLang="ko-KR" sz="1400" dirty="0"/>
+              <a:t>Priority #2: Segment</a:t>
+            </a:r>
+            <a:r>
+              <a:rPr lang="ko-KR" altLang="en-US" sz="1400" dirty="0"/>
+              <a:t> </a:t>
+            </a:r>
+            <a:r>
+              <a:rPr lang="en-US" altLang="ko-KR" sz="1400" dirty="0"/>
+              <a:t>Pattern</a:t>
+            </a:r>
+          </a:p>
+          <a:p>
+            <a:r>
+              <a:rPr lang="en-US" altLang="ko-KR" sz="1400" dirty="0"/>
+              <a:t>Priority #3: Local(Personal) Pattern</a:t>
+            </a:r>
+          </a:p>
+        </p:txBody>
+      </p:sp>
+    </p:spTree>
+    <p:extLst>
+      <p:ext uri="{BB962C8B-B14F-4D97-AF65-F5344CB8AC3E}">
+        <p14:creationId xmlns:p14="http://schemas.microsoft.com/office/powerpoint/2010/main" val="2693517714"/>
+      </p:ext>
+    </p:extLst>
+  </p:cSld>
+  <p:clrMapOvr>
+    <a:masterClrMapping/>
+  </p:clrMapOvr>
+</p:sld>
+</file>
+
+<file path=ppt/slides/slide5.xml><?xml version="1.0" encoding="utf-8"?>
+<p:sld xmlns:a="http://schemas.openxmlformats.org/drawingml/2006/main" xmlns:r="http://schemas.openxmlformats.org/officeDocument/2006/relationships" xmlns:p="http://schemas.openxmlformats.org/presentationml/2006/main">
+  <p:cSld>
+    <p:spTree>
+      <p:nvGrpSpPr>
+        <p:cNvPr id="1" name=""/>
+        <p:cNvGrpSpPr/>
+        <p:nvPr/>
+      </p:nvGrpSpPr>
+      <p:grpSpPr>
+        <a:xfrm>
+          <a:off x="0" y="0"/>
+          <a:ext cx="0" cy="0"/>
+          <a:chOff x="0" y="0"/>
+          <a:chExt cx="0" cy="0"/>
+        </a:xfrm>
+      </p:grpSpPr>
+      <p:sp>
+        <p:nvSpPr>
+          <p:cNvPr id="9" name="제목 8">
+            <a:extLst>
+              <a:ext uri="{FF2B5EF4-FFF2-40B4-BE49-F238E27FC236}">
+                <a16:creationId xmlns:a16="http://schemas.microsoft.com/office/drawing/2014/main" id="{9A71B767-6390-44D0-8890-A5794F817826}"/>
+              </a:ext>
+            </a:extLst>
+          </p:cNvPr>
+          <p:cNvSpPr>
+            <a:spLocks noGrp="1"/>
+          </p:cNvSpPr>
+          <p:nvPr>
+            <p:ph type="title"/>
+          </p:nvPr>
+        </p:nvSpPr>
+        <p:spPr>
+          <a:xfrm>
+            <a:off x="515938" y="154546"/>
+            <a:ext cx="11160124" cy="432825"/>
+          </a:xfrm>
+        </p:spPr>
+        <p:txBody>
+          <a:bodyPr anchor="ctr">
+            <a:noAutofit/>
+          </a:bodyPr>
+          <a:lstStyle/>
+          <a:p>
+            <a:r>
+              <a:rPr lang="ko-KR" altLang="en-US" sz="2400" b="1" dirty="0">
+                <a:solidFill>
+                  <a:srgbClr val="002060"/>
+                </a:solidFill>
+                <a:latin typeface="+mn-lt"/>
+              </a:rPr>
+              <a:t>모델링</a:t>
+            </a:r>
+          </a:p>
+        </p:txBody>
+      </p:sp>
+      <p:sp>
+        <p:nvSpPr>
+          <p:cNvPr id="11" name="직사각형 10">
+            <a:extLst>
+              <a:ext uri="{FF2B5EF4-FFF2-40B4-BE49-F238E27FC236}">
+                <a16:creationId xmlns:a16="http://schemas.microsoft.com/office/drawing/2014/main" id="{AC46C5D5-40D6-40B2-A720-8B655A919615}"/>
+              </a:ext>
+            </a:extLst>
+          </p:cNvPr>
+          <p:cNvSpPr/>
+          <p:nvPr/>
+        </p:nvSpPr>
+        <p:spPr>
+          <a:xfrm flipV="1">
+            <a:off x="515937" y="587370"/>
+            <a:ext cx="11160125" cy="69852"/>
+          </a:xfrm>
+          <a:prstGeom prst="rect">
+            <a:avLst/>
+          </a:prstGeom>
+          <a:solidFill>
+            <a:srgbClr val="04469F"/>
+          </a:solidFill>
+          <a:ln>
+            <a:noFill/>
+          </a:ln>
+        </p:spPr>
+        <p:style>
+          <a:lnRef idx="2">
+            <a:schemeClr val="accent1">
+              <a:shade val="50000"/>
+            </a:schemeClr>
+          </a:lnRef>
+          <a:fillRef idx="1">
+            <a:schemeClr val="accent1"/>
+          </a:fillRef>
+          <a:effectRef idx="0">
+            <a:schemeClr val="accent1"/>
+          </a:effectRef>
+          <a:fontRef idx="minor">
+            <a:schemeClr val="lt1"/>
+          </a:fontRef>
+        </p:style>
+        <p:txBody>
+          <a:bodyPr rtlCol="0" anchor="ctr"/>
+          <a:lstStyle/>
+          <a:p>
+            <a:pPr algn="ctr"/>
+            <a:endParaRPr lang="ko-KR" altLang="en-US"/>
+          </a:p>
+        </p:txBody>
+      </p:sp>
+      <p:sp>
+        <p:nvSpPr>
+          <p:cNvPr id="10" name="직사각형 9">
+            <a:extLst>
+              <a:ext uri="{FF2B5EF4-FFF2-40B4-BE49-F238E27FC236}">
+                <a16:creationId xmlns:a16="http://schemas.microsoft.com/office/drawing/2014/main" id="{02601608-74E6-45F8-A527-F37F510CC4F5}"/>
+              </a:ext>
+            </a:extLst>
+          </p:cNvPr>
+          <p:cNvSpPr/>
+          <p:nvPr/>
+        </p:nvSpPr>
+        <p:spPr>
+          <a:xfrm flipV="1">
+            <a:off x="515936" y="6517369"/>
+            <a:ext cx="10644187" cy="69852"/>
+          </a:xfrm>
+          <a:prstGeom prst="rect">
+            <a:avLst/>
+          </a:prstGeom>
+          <a:solidFill>
+            <a:srgbClr val="04469F"/>
+          </a:solidFill>
+          <a:ln>
+            <a:noFill/>
+          </a:ln>
+        </p:spPr>
+        <p:style>
+          <a:lnRef idx="2">
+            <a:schemeClr val="accent1">
+              <a:shade val="50000"/>
+            </a:schemeClr>
+          </a:lnRef>
+          <a:fillRef idx="1">
+            <a:schemeClr val="accent1"/>
+          </a:fillRef>
+          <a:effectRef idx="0">
+            <a:schemeClr val="accent1"/>
+          </a:effectRef>
+          <a:fontRef idx="minor">
+            <a:schemeClr val="lt1"/>
+          </a:fontRef>
+        </p:style>
+        <p:txBody>
+          <a:bodyPr rtlCol="0" anchor="ctr"/>
+          <a:lstStyle/>
+          <a:p>
+            <a:pPr algn="ctr"/>
+            <a:endParaRPr lang="ko-KR" altLang="en-US"/>
+          </a:p>
+        </p:txBody>
+      </p:sp>
+      <p:pic>
+        <p:nvPicPr>
+          <p:cNvPr id="16" name="그림 15" descr="그리기, 플레이트이(가) 표시된 사진&#10;&#10;자동 생성된 설명">
+            <a:extLst>
+              <a:ext uri="{FF2B5EF4-FFF2-40B4-BE49-F238E27FC236}">
+                <a16:creationId xmlns:a16="http://schemas.microsoft.com/office/drawing/2014/main" id="{3A24CC0F-5232-4DF8-BCBA-7BD6592FFCD5}"/>
+              </a:ext>
+            </a:extLst>
+          </p:cNvPr>
+          <p:cNvPicPr>
+            <a:picLocks noChangeAspect="1"/>
+          </p:cNvPicPr>
+          <p:nvPr/>
+        </p:nvPicPr>
+        <p:blipFill>
+          <a:blip r:embed="rId2">
+            <a:extLst>
+              <a:ext uri="{28A0092B-C50C-407E-A947-70E740481C1C}">
+                <a14:useLocalDpi xmlns:a14="http://schemas.microsoft.com/office/drawing/2010/main" val="0"/>
+              </a:ext>
+            </a:extLst>
+          </a:blip>
+          <a:stretch>
+            <a:fillRect/>
+          </a:stretch>
+        </p:blipFill>
+        <p:spPr>
+          <a:xfrm>
+            <a:off x="11308874" y="6517369"/>
+            <a:ext cx="734376" cy="281290"/>
+          </a:xfrm>
+          <a:prstGeom prst="rect">
+            <a:avLst/>
+          </a:prstGeom>
+        </p:spPr>
+      </p:pic>
       <p:grpSp>
         <p:nvGrpSpPr>
           <p:cNvPr id="108" name="그룹 107">
@@ -4786,7 +6723,7 @@
         </p:nvGrpSpPr>
         <p:grpSpPr>
           <a:xfrm>
-            <a:off x="771172" y="5873617"/>
+            <a:off x="771172" y="5789638"/>
             <a:ext cx="5264002" cy="567981"/>
             <a:chOff x="2217045" y="4959675"/>
             <a:chExt cx="5264002" cy="567981"/>
@@ -7645,7 +9582,7 @@
 </p:sld>
 </file>
 
-<file path=ppt/slides/slide4.xml><?xml version="1.0" encoding="utf-8"?>
+<file path=ppt/slides/slide6.xml><?xml version="1.0" encoding="utf-8"?>
 <p:sld xmlns:a="http://schemas.openxmlformats.org/drawingml/2006/main" xmlns:r="http://schemas.openxmlformats.org/officeDocument/2006/relationships" xmlns:p="http://schemas.openxmlformats.org/presentationml/2006/main">
   <p:cSld>
     <p:spTree>
@@ -7720,7 +9657,7 @@
         <p:spPr>
           <a:xfrm>
             <a:off x="515938" y="2259487"/>
-            <a:ext cx="11160127" cy="852100"/>
+            <a:ext cx="11160127" cy="880473"/>
           </a:xfrm>
         </p:spPr>
         <p:txBody>
@@ -7730,42 +9667,113 @@
           <a:lstStyle/>
           <a:p>
             <a:r>
-              <a:rPr lang="ko-KR" altLang="en-US" sz="1200" dirty="0"/>
-              <a:t>해석 가능한 인공지능</a:t>
-            </a:r>
-            <a:r>
-              <a:rPr lang="en-US" altLang="ko-KR" sz="1200" dirty="0"/>
-              <a:t>(</a:t>
-            </a:r>
-            <a:r>
-              <a:rPr lang="en-US" altLang="ko-KR" sz="1200" dirty="0" err="1"/>
-              <a:t>e</a:t>
-            </a:r>
-            <a:r>
-              <a:rPr lang="en-US" altLang="ko-KR" sz="1200" b="1" dirty="0" err="1"/>
-              <a:t>X</a:t>
-            </a:r>
-            <a:r>
-              <a:rPr lang="en-US" altLang="ko-KR" sz="1200" dirty="0" err="1"/>
-              <a:t>plainable</a:t>
-            </a:r>
-            <a:r>
-              <a:rPr lang="en-US" altLang="ko-KR" sz="1200" dirty="0"/>
-              <a:t> </a:t>
-            </a:r>
-            <a:r>
-              <a:rPr lang="en-US" altLang="ko-KR" sz="1200" b="1" dirty="0"/>
-              <a:t>AI</a:t>
-            </a:r>
-            <a:r>
-              <a:rPr lang="en-US" altLang="ko-KR" sz="1200" dirty="0"/>
-              <a:t>) </a:t>
-            </a:r>
-            <a:r>
-              <a:rPr lang="ko-KR" altLang="en-US" sz="1200" dirty="0"/>
-              <a:t>방법론을 활용하여 복잡한 모델 해석 가능</a:t>
-            </a:r>
-            <a:endParaRPr lang="en-US" altLang="ko-KR" sz="1200" dirty="0"/>
+              <a:rPr lang="ko-KR" altLang="en-US" sz="1200" dirty="0">
+                <a:solidFill>
+                  <a:srgbClr val="002060"/>
+                </a:solidFill>
+              </a:rPr>
+              <a:t>예측 정확도가 우수한 인공지능 모델은 대게 </a:t>
+            </a:r>
+            <a:r>
+              <a:rPr lang="ko-KR" altLang="en-US" sz="1200" u="sng" dirty="0">
+                <a:solidFill>
+                  <a:srgbClr val="002060"/>
+                </a:solidFill>
+              </a:rPr>
+              <a:t>복잡성이 그에 비례하므로 해석이 어려움</a:t>
+            </a:r>
+            <a:r>
+              <a:rPr lang="en-US" altLang="ko-KR" sz="1200" dirty="0">
+                <a:solidFill>
+                  <a:srgbClr val="002060"/>
+                </a:solidFill>
+              </a:rPr>
+              <a:t> ⇒</a:t>
+            </a:r>
+            <a:r>
+              <a:rPr lang="ko-KR" altLang="en-US" sz="1200" dirty="0">
+                <a:solidFill>
+                  <a:srgbClr val="002060"/>
+                </a:solidFill>
+              </a:rPr>
+              <a:t> 다양한 </a:t>
+            </a:r>
+            <a:r>
+              <a:rPr lang="en-US" altLang="ko-KR" sz="1200" dirty="0">
+                <a:solidFill>
+                  <a:srgbClr val="002060"/>
+                </a:solidFill>
+              </a:rPr>
+              <a:t>XAI</a:t>
+            </a:r>
+            <a:r>
+              <a:rPr lang="ko-KR" altLang="en-US" sz="1200" dirty="0">
+                <a:solidFill>
+                  <a:srgbClr val="002060"/>
+                </a:solidFill>
+              </a:rPr>
+              <a:t> 방법론이 고안됨</a:t>
+            </a:r>
+            <a:endParaRPr lang="en-US" altLang="ko-KR" sz="1200" dirty="0">
+              <a:solidFill>
+                <a:srgbClr val="002060"/>
+              </a:solidFill>
+            </a:endParaRPr>
+          </a:p>
+          <a:p>
+            <a:r>
+              <a:rPr lang="ko-KR" altLang="en-US" sz="1200" dirty="0">
+                <a:solidFill>
+                  <a:srgbClr val="002060"/>
+                </a:solidFill>
+              </a:rPr>
+              <a:t>학습된 모델과 데이터 샘플을 활용</a:t>
+            </a:r>
+            <a:r>
+              <a:rPr lang="en-US" altLang="ko-KR" sz="1200" dirty="0">
+                <a:solidFill>
+                  <a:srgbClr val="002060"/>
+                </a:solidFill>
+              </a:rPr>
+              <a:t>, </a:t>
+            </a:r>
+            <a:r>
+              <a:rPr lang="en-US" altLang="ko-KR" sz="1200" u="sng" dirty="0">
+                <a:solidFill>
+                  <a:srgbClr val="002060"/>
+                </a:solidFill>
+              </a:rPr>
+              <a:t>Shapely Value</a:t>
+            </a:r>
+            <a:r>
+              <a:rPr lang="ko-KR" altLang="en-US" sz="1200" dirty="0">
+                <a:solidFill>
+                  <a:srgbClr val="002060"/>
+                </a:solidFill>
+              </a:rPr>
+              <a:t>와 </a:t>
+            </a:r>
+            <a:r>
+              <a:rPr lang="en-US" altLang="ko-KR" sz="1200" u="sng" dirty="0">
+                <a:solidFill>
+                  <a:srgbClr val="002060"/>
+                </a:solidFill>
+              </a:rPr>
+              <a:t>Global Surrogate Model</a:t>
+            </a:r>
+            <a:r>
+              <a:rPr lang="ko-KR" altLang="en-US" sz="1200" dirty="0">
+                <a:solidFill>
+                  <a:srgbClr val="002060"/>
+                </a:solidFill>
+              </a:rPr>
+              <a:t>을 통해 복잡한 모델을 해석하고자 함</a:t>
+            </a:r>
+            <a:endParaRPr lang="en-US" altLang="ko-KR" sz="1200" dirty="0">
+              <a:solidFill>
+                <a:srgbClr val="002060"/>
+              </a:solidFill>
+            </a:endParaRPr>
           </a:p>
         </p:txBody>
       </p:sp>
@@ -8515,251 +10523,6 @@
       </p:sp>
       <p:sp>
         <p:nvSpPr>
-          <p:cNvPr id="4" name="직사각형 3">
-            <a:extLst>
-              <a:ext uri="{FF2B5EF4-FFF2-40B4-BE49-F238E27FC236}">
-                <a16:creationId xmlns:a16="http://schemas.microsoft.com/office/drawing/2014/main" id="{A5B3D2E8-F6F7-46D7-9AF3-ED78C4F534C7}"/>
-              </a:ext>
-            </a:extLst>
-          </p:cNvPr>
-          <p:cNvSpPr/>
-          <p:nvPr/>
-        </p:nvSpPr>
-        <p:spPr>
-          <a:xfrm>
-            <a:off x="6254750" y="3627012"/>
-            <a:ext cx="5421314" cy="1200329"/>
-          </a:xfrm>
-          <a:prstGeom prst="rect">
-            <a:avLst/>
-          </a:prstGeom>
-        </p:spPr>
-        <p:txBody>
-          <a:bodyPr wrap="square">
-            <a:spAutoFit/>
-          </a:bodyPr>
-          <a:lstStyle/>
-          <a:p>
-            <a:pPr lvl="2"/>
-            <a:r>
-              <a:rPr lang="ko-KR" altLang="en-US" sz="1200" dirty="0"/>
-              <a:t>해결</a:t>
-            </a:r>
-            <a:r>
-              <a:rPr lang="en-US" altLang="ko-KR" sz="1200" dirty="0"/>
-              <a:t>2) Global Surrogate</a:t>
-            </a:r>
-          </a:p>
-          <a:p>
-            <a:pPr lvl="3"/>
-            <a:r>
-              <a:rPr lang="ko-KR" altLang="en-US" sz="1200" dirty="0"/>
-              <a:t>정의 </a:t>
-            </a:r>
-            <a:r>
-              <a:rPr lang="en-US" altLang="ko-KR" sz="1200" dirty="0"/>
-              <a:t>– </a:t>
-            </a:r>
-            <a:r>
-              <a:rPr lang="ko-KR" altLang="en-US" sz="1200" dirty="0"/>
-              <a:t>유사한 기능을 흉내내는 모델을 만들어 원 모델을 대신 설명</a:t>
-            </a:r>
-            <a:endParaRPr lang="en-US" altLang="ko-KR" sz="1200" dirty="0"/>
-          </a:p>
-          <a:p>
-            <a:pPr lvl="3"/>
-            <a:r>
-              <a:rPr lang="ko-KR" altLang="en-US" sz="1200" dirty="0"/>
-              <a:t>장점 </a:t>
-            </a:r>
-            <a:r>
-              <a:rPr lang="en-US" altLang="ko-KR" sz="1200" dirty="0"/>
-              <a:t>– </a:t>
-            </a:r>
-            <a:r>
-              <a:rPr lang="ko-KR" altLang="en-US" sz="1200" dirty="0"/>
-              <a:t>말 그대로 해석이 가능</a:t>
-            </a:r>
-            <a:endParaRPr lang="en-US" altLang="ko-KR" sz="1200" dirty="0"/>
-          </a:p>
-          <a:p>
-            <a:pPr lvl="3"/>
-            <a:r>
-              <a:rPr lang="ko-KR" altLang="en-US" sz="1200" dirty="0"/>
-              <a:t>단점 </a:t>
-            </a:r>
-            <a:r>
-              <a:rPr lang="en-US" altLang="ko-KR" sz="1200" dirty="0"/>
-              <a:t>– </a:t>
-            </a:r>
-            <a:r>
-              <a:rPr lang="ko-KR" altLang="en-US" sz="1200" dirty="0"/>
-              <a:t>설명력</a:t>
-            </a:r>
-            <a:r>
-              <a:rPr lang="en-US" altLang="ko-KR" sz="1200" dirty="0"/>
-              <a:t>(R^2)</a:t>
-            </a:r>
-            <a:r>
-              <a:rPr lang="ko-KR" altLang="en-US" sz="1200" dirty="0"/>
-              <a:t>이 약하면 결과를 신뢰할 수 없음</a:t>
-            </a:r>
-            <a:endParaRPr lang="en-US" altLang="ko-KR" sz="1200" dirty="0"/>
-          </a:p>
-          <a:p>
-            <a:pPr lvl="3"/>
-            <a:r>
-              <a:rPr lang="ko-KR" altLang="en-US" sz="1200" dirty="0"/>
-              <a:t>의의 </a:t>
-            </a:r>
-            <a:r>
-              <a:rPr lang="en-US" altLang="ko-KR" sz="1200" dirty="0"/>
-              <a:t>– </a:t>
-            </a:r>
-            <a:r>
-              <a:rPr lang="ko-KR" altLang="en-US" sz="1200" dirty="0"/>
-              <a:t>그 변수가 어떤 영향을 미치는지 설명할 수 있음</a:t>
-            </a:r>
-            <a:endParaRPr lang="en-US" altLang="ko-KR" sz="1200" dirty="0"/>
-          </a:p>
-        </p:txBody>
-      </p:sp>
-      <p:sp>
-        <p:nvSpPr>
-          <p:cNvPr id="5" name="직사각형 4">
-            <a:extLst>
-              <a:ext uri="{FF2B5EF4-FFF2-40B4-BE49-F238E27FC236}">
-                <a16:creationId xmlns:a16="http://schemas.microsoft.com/office/drawing/2014/main" id="{3045F138-4615-48CE-90E8-55E861DA7625}"/>
-              </a:ext>
-            </a:extLst>
-          </p:cNvPr>
-          <p:cNvSpPr/>
-          <p:nvPr/>
-        </p:nvSpPr>
-        <p:spPr>
-          <a:xfrm>
-            <a:off x="515937" y="3462813"/>
-            <a:ext cx="5738813" cy="1569660"/>
-          </a:xfrm>
-          <a:prstGeom prst="rect">
-            <a:avLst/>
-          </a:prstGeom>
-        </p:spPr>
-        <p:txBody>
-          <a:bodyPr wrap="square">
-            <a:spAutoFit/>
-          </a:bodyPr>
-          <a:lstStyle/>
-          <a:p>
-            <a:pPr lvl="2"/>
-            <a:r>
-              <a:rPr lang="ko-KR" altLang="en-US" sz="1200" dirty="0"/>
-              <a:t>해결</a:t>
-            </a:r>
-            <a:r>
-              <a:rPr lang="en-US" altLang="ko-KR" sz="1200" dirty="0"/>
-              <a:t>1) Shapley Additive Explanation</a:t>
-            </a:r>
-          </a:p>
-          <a:p>
-            <a:pPr lvl="3"/>
-            <a:r>
-              <a:rPr lang="ko-KR" altLang="en-US" sz="1200" dirty="0"/>
-              <a:t>정의</a:t>
-            </a:r>
-            <a:r>
-              <a:rPr lang="en-US" altLang="ko-KR" sz="1200" dirty="0"/>
-              <a:t> – </a:t>
-            </a:r>
-            <a:r>
-              <a:rPr lang="ko-KR" altLang="en-US" sz="1200" dirty="0" err="1"/>
-              <a:t>섀플리</a:t>
-            </a:r>
-            <a:r>
-              <a:rPr lang="ko-KR" altLang="en-US" sz="1200" dirty="0"/>
-              <a:t> 값을 활용하여 어떤 피처가 결과에 얼만큼 공헌했는지 측정 및 비교 가능</a:t>
-            </a:r>
-            <a:endParaRPr lang="en-US" altLang="ko-KR" sz="1200" dirty="0"/>
-          </a:p>
-          <a:p>
-            <a:pPr lvl="3"/>
-            <a:r>
-              <a:rPr lang="ko-KR" altLang="en-US" sz="1200" dirty="0"/>
-              <a:t>장점 </a:t>
-            </a:r>
-            <a:r>
-              <a:rPr lang="en-US" altLang="ko-KR" sz="1200" dirty="0"/>
-              <a:t>– </a:t>
-            </a:r>
-            <a:r>
-              <a:rPr lang="ko-KR" altLang="en-US" sz="1200" dirty="0"/>
-              <a:t>전체 모델 해석 및 각 데이터 결과 해석 가능</a:t>
-            </a:r>
-            <a:endParaRPr lang="en-US" altLang="ko-KR" sz="1200" dirty="0"/>
-          </a:p>
-          <a:p>
-            <a:pPr lvl="3"/>
-            <a:r>
-              <a:rPr lang="ko-KR" altLang="en-US" sz="1200" dirty="0"/>
-              <a:t>단점 </a:t>
-            </a:r>
-            <a:r>
-              <a:rPr lang="en-US" altLang="ko-KR" sz="1200" dirty="0"/>
-              <a:t>– </a:t>
-            </a:r>
-            <a:r>
-              <a:rPr lang="ko-KR" altLang="en-US" sz="1200" dirty="0"/>
-              <a:t>피처의 수가 많을수록 </a:t>
-            </a:r>
-            <a:r>
-              <a:rPr lang="ko-KR" altLang="en-US" sz="1200" dirty="0" err="1"/>
-              <a:t>계산량을</a:t>
-            </a:r>
-            <a:r>
-              <a:rPr lang="ko-KR" altLang="en-US" sz="1200" dirty="0"/>
-              <a:t> 오래 걸림</a:t>
-            </a:r>
-            <a:r>
-              <a:rPr lang="en-US" altLang="ko-KR" sz="1200" dirty="0"/>
-              <a:t>. </a:t>
-            </a:r>
-            <a:r>
-              <a:rPr lang="ko-KR" altLang="en-US" sz="1200" dirty="0"/>
-              <a:t>샘플링에 따라 해석 결과가 크게 달라짐</a:t>
-            </a:r>
-            <a:r>
-              <a:rPr lang="en-US" altLang="ko-KR" sz="1200" dirty="0"/>
-              <a:t>.</a:t>
-            </a:r>
-          </a:p>
-          <a:p>
-            <a:pPr lvl="3"/>
-            <a:r>
-              <a:rPr lang="ko-KR" altLang="en-US" sz="1200" dirty="0"/>
-              <a:t>의의 </a:t>
-            </a:r>
-            <a:r>
-              <a:rPr lang="en-US" altLang="ko-KR" sz="1200" dirty="0"/>
-              <a:t>– </a:t>
-            </a:r>
-            <a:r>
-              <a:rPr lang="ko-KR" altLang="en-US" sz="1200" dirty="0"/>
-              <a:t>복잡한 모델에서 각 피처의 중요도를 간접적으로 알 수 있고</a:t>
-            </a:r>
-            <a:r>
-              <a:rPr lang="en-US" altLang="ko-KR" sz="1200" dirty="0"/>
-              <a:t>, </a:t>
-            </a:r>
-            <a:r>
-              <a:rPr lang="ko-KR" altLang="en-US" sz="1200" dirty="0"/>
-              <a:t>개인의 데이터 또한 해석 가능</a:t>
-            </a:r>
-            <a:endParaRPr lang="en-US" altLang="ko-KR" sz="1200" dirty="0"/>
-          </a:p>
-        </p:txBody>
-      </p:sp>
-      <p:sp>
-        <p:nvSpPr>
           <p:cNvPr id="18" name="직사각형 17">
             <a:extLst>
               <a:ext uri="{FF2B5EF4-FFF2-40B4-BE49-F238E27FC236}">
@@ -8870,6 +10633,560 @@
           </a:p>
         </p:txBody>
       </p:sp>
+      <p:sp>
+        <p:nvSpPr>
+          <p:cNvPr id="21" name="내용 개체 틀 1">
+            <a:extLst>
+              <a:ext uri="{FF2B5EF4-FFF2-40B4-BE49-F238E27FC236}">
+                <a16:creationId xmlns:a16="http://schemas.microsoft.com/office/drawing/2014/main" id="{9834DD01-7D3E-4F9F-9D96-D12B880DC938}"/>
+              </a:ext>
+            </a:extLst>
+          </p:cNvPr>
+          <p:cNvSpPr txBox="1">
+            <a:spLocks/>
+          </p:cNvSpPr>
+          <p:nvPr/>
+        </p:nvSpPr>
+        <p:spPr>
+          <a:xfrm>
+            <a:off x="515938" y="4827341"/>
+            <a:ext cx="5580062" cy="1443289"/>
+          </a:xfrm>
+          <a:prstGeom prst="rect">
+            <a:avLst/>
+          </a:prstGeom>
+        </p:spPr>
+        <p:txBody>
+          <a:bodyPr vert="horz" lIns="91440" tIns="45720" rIns="91440" bIns="45720" rtlCol="0">
+            <a:normAutofit/>
+          </a:bodyPr>
+          <a:lstStyle>
+            <a:lvl1pPr marL="228600" indent="-228600" algn="l" defTabSz="914400" rtl="0" eaLnBrk="1" latinLnBrk="1" hangingPunct="1">
+              <a:lnSpc>
+                <a:spcPct val="90000"/>
+              </a:lnSpc>
+              <a:spcBef>
+                <a:spcPts val="1000"/>
+              </a:spcBef>
+              <a:buFont typeface="Arial" panose="020B0604020202020204" pitchFamily="34" charset="0"/>
+              <a:buChar char="•"/>
+              <a:defRPr sz="2800" kern="1200">
+                <a:solidFill>
+                  <a:schemeClr val="tx1"/>
+                </a:solidFill>
+                <a:latin typeface="+mn-lt"/>
+                <a:ea typeface="+mn-ea"/>
+                <a:cs typeface="+mn-cs"/>
+              </a:defRPr>
+            </a:lvl1pPr>
+            <a:lvl2pPr marL="685800" indent="-228600" algn="l" defTabSz="914400" rtl="0" eaLnBrk="1" latinLnBrk="1" hangingPunct="1">
+              <a:lnSpc>
+                <a:spcPct val="90000"/>
+              </a:lnSpc>
+              <a:spcBef>
+                <a:spcPts val="500"/>
+              </a:spcBef>
+              <a:buFont typeface="Arial" panose="020B0604020202020204" pitchFamily="34" charset="0"/>
+              <a:buChar char="•"/>
+              <a:defRPr sz="2400" kern="1200">
+                <a:solidFill>
+                  <a:schemeClr val="tx1"/>
+                </a:solidFill>
+                <a:latin typeface="+mn-lt"/>
+                <a:ea typeface="+mn-ea"/>
+                <a:cs typeface="+mn-cs"/>
+              </a:defRPr>
+            </a:lvl2pPr>
+            <a:lvl3pPr marL="1143000" indent="-228600" algn="l" defTabSz="914400" rtl="0" eaLnBrk="1" latinLnBrk="1" hangingPunct="1">
+              <a:lnSpc>
+                <a:spcPct val="90000"/>
+              </a:lnSpc>
+              <a:spcBef>
+                <a:spcPts val="500"/>
+              </a:spcBef>
+              <a:buFont typeface="Arial" panose="020B0604020202020204" pitchFamily="34" charset="0"/>
+              <a:buChar char="•"/>
+              <a:defRPr sz="2000" kern="1200">
+                <a:solidFill>
+                  <a:schemeClr val="tx1"/>
+                </a:solidFill>
+                <a:latin typeface="+mn-lt"/>
+                <a:ea typeface="+mn-ea"/>
+                <a:cs typeface="+mn-cs"/>
+              </a:defRPr>
+            </a:lvl3pPr>
+            <a:lvl4pPr marL="1600200" indent="-228600" algn="l" defTabSz="914400" rtl="0" eaLnBrk="1" latinLnBrk="1" hangingPunct="1">
+              <a:lnSpc>
+                <a:spcPct val="90000"/>
+              </a:lnSpc>
+              <a:spcBef>
+                <a:spcPts val="500"/>
+              </a:spcBef>
+              <a:buFont typeface="Arial" panose="020B0604020202020204" pitchFamily="34" charset="0"/>
+              <a:buChar char="•"/>
+              <a:defRPr sz="1800" kern="1200">
+                <a:solidFill>
+                  <a:schemeClr val="tx1"/>
+                </a:solidFill>
+                <a:latin typeface="+mn-lt"/>
+                <a:ea typeface="+mn-ea"/>
+                <a:cs typeface="+mn-cs"/>
+              </a:defRPr>
+            </a:lvl4pPr>
+            <a:lvl5pPr marL="2057400" indent="-228600" algn="l" defTabSz="914400" rtl="0" eaLnBrk="1" latinLnBrk="1" hangingPunct="1">
+              <a:lnSpc>
+                <a:spcPct val="90000"/>
+              </a:lnSpc>
+              <a:spcBef>
+                <a:spcPts val="500"/>
+              </a:spcBef>
+              <a:buFont typeface="Arial" panose="020B0604020202020204" pitchFamily="34" charset="0"/>
+              <a:buChar char="•"/>
+              <a:defRPr sz="1800" kern="1200">
+                <a:solidFill>
+                  <a:schemeClr val="tx1"/>
+                </a:solidFill>
+                <a:latin typeface="+mn-lt"/>
+                <a:ea typeface="+mn-ea"/>
+                <a:cs typeface="+mn-cs"/>
+              </a:defRPr>
+            </a:lvl5pPr>
+            <a:lvl6pPr marL="2514600" indent="-228600" algn="l" defTabSz="914400" rtl="0" eaLnBrk="1" latinLnBrk="1" hangingPunct="1">
+              <a:lnSpc>
+                <a:spcPct val="90000"/>
+              </a:lnSpc>
+              <a:spcBef>
+                <a:spcPts val="500"/>
+              </a:spcBef>
+              <a:buFont typeface="Arial" panose="020B0604020202020204" pitchFamily="34" charset="0"/>
+              <a:buChar char="•"/>
+              <a:defRPr sz="1800" kern="1200">
+                <a:solidFill>
+                  <a:schemeClr val="tx1"/>
+                </a:solidFill>
+                <a:latin typeface="+mn-lt"/>
+                <a:ea typeface="+mn-ea"/>
+                <a:cs typeface="+mn-cs"/>
+              </a:defRPr>
+            </a:lvl6pPr>
+            <a:lvl7pPr marL="2971800" indent="-228600" algn="l" defTabSz="914400" rtl="0" eaLnBrk="1" latinLnBrk="1" hangingPunct="1">
+              <a:lnSpc>
+                <a:spcPct val="90000"/>
+              </a:lnSpc>
+              <a:spcBef>
+                <a:spcPts val="500"/>
+              </a:spcBef>
+              <a:buFont typeface="Arial" panose="020B0604020202020204" pitchFamily="34" charset="0"/>
+              <a:buChar char="•"/>
+              <a:defRPr sz="1800" kern="1200">
+                <a:solidFill>
+                  <a:schemeClr val="tx1"/>
+                </a:solidFill>
+                <a:latin typeface="+mn-lt"/>
+                <a:ea typeface="+mn-ea"/>
+                <a:cs typeface="+mn-cs"/>
+              </a:defRPr>
+            </a:lvl7pPr>
+            <a:lvl8pPr marL="3429000" indent="-228600" algn="l" defTabSz="914400" rtl="0" eaLnBrk="1" latinLnBrk="1" hangingPunct="1">
+              <a:lnSpc>
+                <a:spcPct val="90000"/>
+              </a:lnSpc>
+              <a:spcBef>
+                <a:spcPts val="500"/>
+              </a:spcBef>
+              <a:buFont typeface="Arial" panose="020B0604020202020204" pitchFamily="34" charset="0"/>
+              <a:buChar char="•"/>
+              <a:defRPr sz="1800" kern="1200">
+                <a:solidFill>
+                  <a:schemeClr val="tx1"/>
+                </a:solidFill>
+                <a:latin typeface="+mn-lt"/>
+                <a:ea typeface="+mn-ea"/>
+                <a:cs typeface="+mn-cs"/>
+              </a:defRPr>
+            </a:lvl8pPr>
+            <a:lvl9pPr marL="3886200" indent="-228600" algn="l" defTabSz="914400" rtl="0" eaLnBrk="1" latinLnBrk="1" hangingPunct="1">
+              <a:lnSpc>
+                <a:spcPct val="90000"/>
+              </a:lnSpc>
+              <a:spcBef>
+                <a:spcPts val="500"/>
+              </a:spcBef>
+              <a:buFont typeface="Arial" panose="020B0604020202020204" pitchFamily="34" charset="0"/>
+              <a:buChar char="•"/>
+              <a:defRPr sz="1800" kern="1200">
+                <a:solidFill>
+                  <a:schemeClr val="tx1"/>
+                </a:solidFill>
+                <a:latin typeface="+mn-lt"/>
+                <a:ea typeface="+mn-ea"/>
+                <a:cs typeface="+mn-cs"/>
+              </a:defRPr>
+            </a:lvl9pPr>
+          </a:lstStyle>
+          <a:p>
+            <a:r>
+              <a:rPr lang="ko-KR" altLang="en-US" sz="1200" dirty="0">
+                <a:solidFill>
+                  <a:srgbClr val="002060"/>
+                </a:solidFill>
+              </a:rPr>
+              <a:t>모든 가능한 변수 조합에서 어떤 변수가 얼마나 기여했는지 측정하는 방법론</a:t>
+            </a:r>
+            <a:endParaRPr lang="en-US" altLang="ko-KR" sz="1200" dirty="0">
+              <a:solidFill>
+                <a:srgbClr val="002060"/>
+              </a:solidFill>
+            </a:endParaRPr>
+          </a:p>
+          <a:p>
+            <a:r>
+              <a:rPr lang="ko-KR" altLang="en-US" sz="1200" dirty="0">
+                <a:solidFill>
+                  <a:srgbClr val="002060"/>
+                </a:solidFill>
+              </a:rPr>
+              <a:t>모델 전반과 데이터 각각의 해석이 동시에 가능</a:t>
+            </a:r>
+            <a:endParaRPr lang="en-US" altLang="ko-KR" sz="1200" dirty="0">
+              <a:solidFill>
+                <a:srgbClr val="002060"/>
+              </a:solidFill>
+            </a:endParaRPr>
+          </a:p>
+          <a:p>
+            <a:r>
+              <a:rPr lang="ko-KR" altLang="en-US" sz="1200" dirty="0">
+                <a:solidFill>
+                  <a:srgbClr val="002060"/>
+                </a:solidFill>
+              </a:rPr>
+              <a:t>계산 비용이 변수의 수에 비례하기 때문에</a:t>
+            </a:r>
+            <a:r>
+              <a:rPr lang="en-US" altLang="ko-KR" sz="1200" dirty="0">
+                <a:solidFill>
+                  <a:srgbClr val="002060"/>
+                </a:solidFill>
+              </a:rPr>
+              <a:t>, </a:t>
+            </a:r>
+            <a:r>
+              <a:rPr lang="ko-KR" altLang="en-US" sz="1200" dirty="0">
+                <a:solidFill>
+                  <a:srgbClr val="002060"/>
+                </a:solidFill>
+              </a:rPr>
+              <a:t>적절한 샘플링을 통해 해결</a:t>
+            </a:r>
+            <a:endParaRPr lang="en-US" altLang="ko-KR" sz="1200" dirty="0">
+              <a:solidFill>
+                <a:srgbClr val="002060"/>
+              </a:solidFill>
+            </a:endParaRPr>
+          </a:p>
+          <a:p>
+            <a:r>
+              <a:rPr lang="ko-KR" altLang="en-US" sz="1200" dirty="0">
+                <a:solidFill>
+                  <a:srgbClr val="002060"/>
+                </a:solidFill>
+              </a:rPr>
+              <a:t>복잡한 모델에서 각 변수의 중요도를 알 수 있음</a:t>
+            </a:r>
+            <a:endParaRPr lang="en-US" altLang="ko-KR" sz="1200" dirty="0">
+              <a:solidFill>
+                <a:srgbClr val="002060"/>
+              </a:solidFill>
+            </a:endParaRPr>
+          </a:p>
+        </p:txBody>
+      </p:sp>
+      <p:sp>
+        <p:nvSpPr>
+          <p:cNvPr id="22" name="내용 개체 틀 1">
+            <a:extLst>
+              <a:ext uri="{FF2B5EF4-FFF2-40B4-BE49-F238E27FC236}">
+                <a16:creationId xmlns:a16="http://schemas.microsoft.com/office/drawing/2014/main" id="{C3CF6AC8-50DE-4837-ACAE-3929213CFAA3}"/>
+              </a:ext>
+            </a:extLst>
+          </p:cNvPr>
+          <p:cNvSpPr txBox="1">
+            <a:spLocks/>
+          </p:cNvSpPr>
+          <p:nvPr/>
+        </p:nvSpPr>
+        <p:spPr>
+          <a:xfrm>
+            <a:off x="6095998" y="4827341"/>
+            <a:ext cx="5580062" cy="1443289"/>
+          </a:xfrm>
+          <a:prstGeom prst="rect">
+            <a:avLst/>
+          </a:prstGeom>
+        </p:spPr>
+        <p:txBody>
+          <a:bodyPr vert="horz" lIns="91440" tIns="45720" rIns="91440" bIns="45720" rtlCol="0">
+            <a:normAutofit lnSpcReduction="10000"/>
+          </a:bodyPr>
+          <a:lstStyle>
+            <a:lvl1pPr marL="228600" indent="-228600" algn="l" defTabSz="914400" rtl="0" eaLnBrk="1" latinLnBrk="1" hangingPunct="1">
+              <a:lnSpc>
+                <a:spcPct val="90000"/>
+              </a:lnSpc>
+              <a:spcBef>
+                <a:spcPts val="1000"/>
+              </a:spcBef>
+              <a:buFont typeface="Arial" panose="020B0604020202020204" pitchFamily="34" charset="0"/>
+              <a:buChar char="•"/>
+              <a:defRPr sz="2800" kern="1200">
+                <a:solidFill>
+                  <a:schemeClr val="tx1"/>
+                </a:solidFill>
+                <a:latin typeface="+mn-lt"/>
+                <a:ea typeface="+mn-ea"/>
+                <a:cs typeface="+mn-cs"/>
+              </a:defRPr>
+            </a:lvl1pPr>
+            <a:lvl2pPr marL="685800" indent="-228600" algn="l" defTabSz="914400" rtl="0" eaLnBrk="1" latinLnBrk="1" hangingPunct="1">
+              <a:lnSpc>
+                <a:spcPct val="90000"/>
+              </a:lnSpc>
+              <a:spcBef>
+                <a:spcPts val="500"/>
+              </a:spcBef>
+              <a:buFont typeface="Arial" panose="020B0604020202020204" pitchFamily="34" charset="0"/>
+              <a:buChar char="•"/>
+              <a:defRPr sz="2400" kern="1200">
+                <a:solidFill>
+                  <a:schemeClr val="tx1"/>
+                </a:solidFill>
+                <a:latin typeface="+mn-lt"/>
+                <a:ea typeface="+mn-ea"/>
+                <a:cs typeface="+mn-cs"/>
+              </a:defRPr>
+            </a:lvl2pPr>
+            <a:lvl3pPr marL="1143000" indent="-228600" algn="l" defTabSz="914400" rtl="0" eaLnBrk="1" latinLnBrk="1" hangingPunct="1">
+              <a:lnSpc>
+                <a:spcPct val="90000"/>
+              </a:lnSpc>
+              <a:spcBef>
+                <a:spcPts val="500"/>
+              </a:spcBef>
+              <a:buFont typeface="Arial" panose="020B0604020202020204" pitchFamily="34" charset="0"/>
+              <a:buChar char="•"/>
+              <a:defRPr sz="2000" kern="1200">
+                <a:solidFill>
+                  <a:schemeClr val="tx1"/>
+                </a:solidFill>
+                <a:latin typeface="+mn-lt"/>
+                <a:ea typeface="+mn-ea"/>
+                <a:cs typeface="+mn-cs"/>
+              </a:defRPr>
+            </a:lvl3pPr>
+            <a:lvl4pPr marL="1600200" indent="-228600" algn="l" defTabSz="914400" rtl="0" eaLnBrk="1" latinLnBrk="1" hangingPunct="1">
+              <a:lnSpc>
+                <a:spcPct val="90000"/>
+              </a:lnSpc>
+              <a:spcBef>
+                <a:spcPts val="500"/>
+              </a:spcBef>
+              <a:buFont typeface="Arial" panose="020B0604020202020204" pitchFamily="34" charset="0"/>
+              <a:buChar char="•"/>
+              <a:defRPr sz="1800" kern="1200">
+                <a:solidFill>
+                  <a:schemeClr val="tx1"/>
+                </a:solidFill>
+                <a:latin typeface="+mn-lt"/>
+                <a:ea typeface="+mn-ea"/>
+                <a:cs typeface="+mn-cs"/>
+              </a:defRPr>
+            </a:lvl4pPr>
+            <a:lvl5pPr marL="2057400" indent="-228600" algn="l" defTabSz="914400" rtl="0" eaLnBrk="1" latinLnBrk="1" hangingPunct="1">
+              <a:lnSpc>
+                <a:spcPct val="90000"/>
+              </a:lnSpc>
+              <a:spcBef>
+                <a:spcPts val="500"/>
+              </a:spcBef>
+              <a:buFont typeface="Arial" panose="020B0604020202020204" pitchFamily="34" charset="0"/>
+              <a:buChar char="•"/>
+              <a:defRPr sz="1800" kern="1200">
+                <a:solidFill>
+                  <a:schemeClr val="tx1"/>
+                </a:solidFill>
+                <a:latin typeface="+mn-lt"/>
+                <a:ea typeface="+mn-ea"/>
+                <a:cs typeface="+mn-cs"/>
+              </a:defRPr>
+            </a:lvl5pPr>
+            <a:lvl6pPr marL="2514600" indent="-228600" algn="l" defTabSz="914400" rtl="0" eaLnBrk="1" latinLnBrk="1" hangingPunct="1">
+              <a:lnSpc>
+                <a:spcPct val="90000"/>
+              </a:lnSpc>
+              <a:spcBef>
+                <a:spcPts val="500"/>
+              </a:spcBef>
+              <a:buFont typeface="Arial" panose="020B0604020202020204" pitchFamily="34" charset="0"/>
+              <a:buChar char="•"/>
+              <a:defRPr sz="1800" kern="1200">
+                <a:solidFill>
+                  <a:schemeClr val="tx1"/>
+                </a:solidFill>
+                <a:latin typeface="+mn-lt"/>
+                <a:ea typeface="+mn-ea"/>
+                <a:cs typeface="+mn-cs"/>
+              </a:defRPr>
+            </a:lvl6pPr>
+            <a:lvl7pPr marL="2971800" indent="-228600" algn="l" defTabSz="914400" rtl="0" eaLnBrk="1" latinLnBrk="1" hangingPunct="1">
+              <a:lnSpc>
+                <a:spcPct val="90000"/>
+              </a:lnSpc>
+              <a:spcBef>
+                <a:spcPts val="500"/>
+              </a:spcBef>
+              <a:buFont typeface="Arial" panose="020B0604020202020204" pitchFamily="34" charset="0"/>
+              <a:buChar char="•"/>
+              <a:defRPr sz="1800" kern="1200">
+                <a:solidFill>
+                  <a:schemeClr val="tx1"/>
+                </a:solidFill>
+                <a:latin typeface="+mn-lt"/>
+                <a:ea typeface="+mn-ea"/>
+                <a:cs typeface="+mn-cs"/>
+              </a:defRPr>
+            </a:lvl7pPr>
+            <a:lvl8pPr marL="3429000" indent="-228600" algn="l" defTabSz="914400" rtl="0" eaLnBrk="1" latinLnBrk="1" hangingPunct="1">
+              <a:lnSpc>
+                <a:spcPct val="90000"/>
+              </a:lnSpc>
+              <a:spcBef>
+                <a:spcPts val="500"/>
+              </a:spcBef>
+              <a:buFont typeface="Arial" panose="020B0604020202020204" pitchFamily="34" charset="0"/>
+              <a:buChar char="•"/>
+              <a:defRPr sz="1800" kern="1200">
+                <a:solidFill>
+                  <a:schemeClr val="tx1"/>
+                </a:solidFill>
+                <a:latin typeface="+mn-lt"/>
+                <a:ea typeface="+mn-ea"/>
+                <a:cs typeface="+mn-cs"/>
+              </a:defRPr>
+            </a:lvl8pPr>
+            <a:lvl9pPr marL="3886200" indent="-228600" algn="l" defTabSz="914400" rtl="0" eaLnBrk="1" latinLnBrk="1" hangingPunct="1">
+              <a:lnSpc>
+                <a:spcPct val="90000"/>
+              </a:lnSpc>
+              <a:spcBef>
+                <a:spcPts val="500"/>
+              </a:spcBef>
+              <a:buFont typeface="Arial" panose="020B0604020202020204" pitchFamily="34" charset="0"/>
+              <a:buChar char="•"/>
+              <a:defRPr sz="1800" kern="1200">
+                <a:solidFill>
+                  <a:schemeClr val="tx1"/>
+                </a:solidFill>
+                <a:latin typeface="+mn-lt"/>
+                <a:ea typeface="+mn-ea"/>
+                <a:cs typeface="+mn-cs"/>
+              </a:defRPr>
+            </a:lvl9pPr>
+          </a:lstStyle>
+          <a:p>
+            <a:r>
+              <a:rPr lang="ko-KR" altLang="en-US" sz="1200" dirty="0">
+                <a:solidFill>
+                  <a:srgbClr val="002060"/>
+                </a:solidFill>
+              </a:rPr>
+              <a:t>유사한 기능을 흉내내는 모델로 원래 모델을 대신하여</a:t>
+            </a:r>
+            <a:r>
+              <a:rPr lang="en-US" altLang="ko-KR" sz="1200" dirty="0">
+                <a:solidFill>
+                  <a:srgbClr val="002060"/>
+                </a:solidFill>
+              </a:rPr>
+              <a:t>(Surrogate) </a:t>
+            </a:r>
+            <a:r>
+              <a:rPr lang="ko-KR" altLang="en-US" sz="1200" dirty="0">
+                <a:solidFill>
+                  <a:srgbClr val="002060"/>
+                </a:solidFill>
+              </a:rPr>
+              <a:t>설명하는 방법론</a:t>
+            </a:r>
+            <a:endParaRPr lang="en-US" altLang="ko-KR" sz="1200" dirty="0">
+              <a:solidFill>
+                <a:srgbClr val="002060"/>
+              </a:solidFill>
+            </a:endParaRPr>
+          </a:p>
+          <a:p>
+            <a:r>
+              <a:rPr lang="ko-KR" altLang="en-US" sz="1200" dirty="0">
+                <a:solidFill>
+                  <a:srgbClr val="002060"/>
+                </a:solidFill>
+              </a:rPr>
+              <a:t>선형 모델을 사용한다면 각 변수의 회귀계수를 도출할 수 있음</a:t>
+            </a:r>
+            <a:endParaRPr lang="en-US" altLang="ko-KR" sz="1200" dirty="0">
+              <a:solidFill>
+                <a:srgbClr val="002060"/>
+              </a:solidFill>
+            </a:endParaRPr>
+          </a:p>
+          <a:p>
+            <a:r>
+              <a:rPr lang="ko-KR" altLang="en-US" sz="1200" dirty="0">
+                <a:solidFill>
+                  <a:srgbClr val="002060"/>
+                </a:solidFill>
+              </a:rPr>
+              <a:t>대리 모델의 설명력이 약하면 결과를 신뢰할 수 없으므로</a:t>
+            </a:r>
+            <a:r>
+              <a:rPr lang="en-US" altLang="ko-KR" sz="1200" dirty="0">
+                <a:solidFill>
+                  <a:srgbClr val="002060"/>
+                </a:solidFill>
+              </a:rPr>
+              <a:t>, </a:t>
+            </a:r>
+            <a:r>
+              <a:rPr lang="ko-KR" altLang="en-US" sz="1200" dirty="0">
+                <a:solidFill>
+                  <a:srgbClr val="002060"/>
+                </a:solidFill>
+              </a:rPr>
+              <a:t>다수의 샘플링을 통해 선택</a:t>
+            </a:r>
+            <a:endParaRPr lang="en-US" altLang="ko-KR" sz="1200" dirty="0">
+              <a:solidFill>
+                <a:srgbClr val="002060"/>
+              </a:solidFill>
+            </a:endParaRPr>
+          </a:p>
+          <a:p>
+            <a:r>
+              <a:rPr lang="ko-KR" altLang="en-US" sz="1200" dirty="0">
+                <a:solidFill>
+                  <a:srgbClr val="002060"/>
+                </a:solidFill>
+              </a:rPr>
+              <a:t>복잡한 모델에서 각 변수의 증가에 따른 방문 확률 증가를 측정할 수 있음</a:t>
+            </a:r>
+            <a:endParaRPr lang="en-US" altLang="ko-KR" sz="1200" dirty="0">
+              <a:solidFill>
+                <a:srgbClr val="002060"/>
+              </a:solidFill>
+            </a:endParaRPr>
+          </a:p>
+        </p:txBody>
+      </p:sp>
     </p:spTree>
     <p:extLst>
       <p:ext uri="{BB962C8B-B14F-4D97-AF65-F5344CB8AC3E}">
@@ -8883,7 +11200,7 @@
 </p:sld>
 </file>
 
-<file path=ppt/slides/slide5.xml><?xml version="1.0" encoding="utf-8"?>
+<file path=ppt/slides/slide7.xml><?xml version="1.0" encoding="utf-8"?>
 <p:sld xmlns:a="http://schemas.openxmlformats.org/drawingml/2006/main" xmlns:r="http://schemas.openxmlformats.org/officeDocument/2006/relationships" xmlns:p="http://schemas.openxmlformats.org/presentationml/2006/main">
   <p:cSld>
     <p:spTree>
@@ -8936,38 +11253,6 @@
               </a:rPr>
               <a:t>비즈니스 인사이트</a:t>
             </a:r>
-          </a:p>
-        </p:txBody>
-      </p:sp>
-      <p:sp>
-        <p:nvSpPr>
-          <p:cNvPr id="2" name="내용 개체 틀 1">
-            <a:extLst>
-              <a:ext uri="{FF2B5EF4-FFF2-40B4-BE49-F238E27FC236}">
-                <a16:creationId xmlns:a16="http://schemas.microsoft.com/office/drawing/2014/main" id="{96D26525-2821-4B44-9E79-7CE8903401B1}"/>
-              </a:ext>
-            </a:extLst>
-          </p:cNvPr>
-          <p:cNvSpPr>
-            <a:spLocks noGrp="1"/>
-          </p:cNvSpPr>
-          <p:nvPr>
-            <p:ph idx="1"/>
-          </p:nvPr>
-        </p:nvSpPr>
-        <p:spPr>
-          <a:xfrm>
-            <a:off x="515935" y="2000250"/>
-            <a:ext cx="11160127" cy="4176712"/>
-          </a:xfrm>
-        </p:spPr>
-        <p:txBody>
-          <a:bodyPr>
-            <a:normAutofit/>
-          </a:bodyPr>
-          <a:lstStyle/>
-          <a:p>
-            <a:endParaRPr lang="en-US" altLang="ko-KR" sz="1200" dirty="0"/>
           </a:p>
         </p:txBody>
       </p:sp>
@@ -9111,244 +11396,6 @@
           </a:prstGeom>
         </p:spPr>
       </p:pic>
-      <p:sp>
-        <p:nvSpPr>
-          <p:cNvPr id="17" name="내용 개체 틀 1">
-            <a:extLst>
-              <a:ext uri="{FF2B5EF4-FFF2-40B4-BE49-F238E27FC236}">
-                <a16:creationId xmlns:a16="http://schemas.microsoft.com/office/drawing/2014/main" id="{C43E4D9B-D0E6-40DA-8D9E-487F4ED438E3}"/>
-              </a:ext>
-            </a:extLst>
-          </p:cNvPr>
-          <p:cNvSpPr txBox="1">
-            <a:spLocks/>
-          </p:cNvSpPr>
-          <p:nvPr/>
-        </p:nvSpPr>
-        <p:spPr>
-          <a:xfrm>
-            <a:off x="515935" y="819150"/>
-            <a:ext cx="11160127" cy="1041397"/>
-          </a:xfrm>
-          <a:prstGeom prst="rect">
-            <a:avLst/>
-          </a:prstGeom>
-        </p:spPr>
-        <p:txBody>
-          <a:bodyPr vert="horz" lIns="91440" tIns="45720" rIns="91440" bIns="45720" rtlCol="0">
-            <a:normAutofit/>
-          </a:bodyPr>
-          <a:lstStyle>
-            <a:lvl1pPr marL="228600" indent="-228600" algn="l" defTabSz="914400" rtl="0" eaLnBrk="1" latinLnBrk="1" hangingPunct="1">
-              <a:lnSpc>
-                <a:spcPct val="90000"/>
-              </a:lnSpc>
-              <a:spcBef>
-                <a:spcPts val="1000"/>
-              </a:spcBef>
-              <a:buFont typeface="Arial" panose="020B0604020202020204" pitchFamily="34" charset="0"/>
-              <a:buChar char="•"/>
-              <a:defRPr sz="2800" kern="1200">
-                <a:solidFill>
-                  <a:schemeClr val="tx1"/>
-                </a:solidFill>
-                <a:latin typeface="+mn-lt"/>
-                <a:ea typeface="+mn-ea"/>
-                <a:cs typeface="+mn-cs"/>
-              </a:defRPr>
-            </a:lvl1pPr>
-            <a:lvl2pPr marL="685800" indent="-228600" algn="l" defTabSz="914400" rtl="0" eaLnBrk="1" latinLnBrk="1" hangingPunct="1">
-              <a:lnSpc>
-                <a:spcPct val="90000"/>
-              </a:lnSpc>
-              <a:spcBef>
-                <a:spcPts val="500"/>
-              </a:spcBef>
-              <a:buFont typeface="Arial" panose="020B0604020202020204" pitchFamily="34" charset="0"/>
-              <a:buChar char="•"/>
-              <a:defRPr sz="2400" kern="1200">
-                <a:solidFill>
-                  <a:schemeClr val="tx1"/>
-                </a:solidFill>
-                <a:latin typeface="+mn-lt"/>
-                <a:ea typeface="+mn-ea"/>
-                <a:cs typeface="+mn-cs"/>
-              </a:defRPr>
-            </a:lvl2pPr>
-            <a:lvl3pPr marL="1143000" indent="-228600" algn="l" defTabSz="914400" rtl="0" eaLnBrk="1" latinLnBrk="1" hangingPunct="1">
-              <a:lnSpc>
-                <a:spcPct val="90000"/>
-              </a:lnSpc>
-              <a:spcBef>
-                <a:spcPts val="500"/>
-              </a:spcBef>
-              <a:buFont typeface="Arial" panose="020B0604020202020204" pitchFamily="34" charset="0"/>
-              <a:buChar char="•"/>
-              <a:defRPr sz="2000" kern="1200">
-                <a:solidFill>
-                  <a:schemeClr val="tx1"/>
-                </a:solidFill>
-                <a:latin typeface="+mn-lt"/>
-                <a:ea typeface="+mn-ea"/>
-                <a:cs typeface="+mn-cs"/>
-              </a:defRPr>
-            </a:lvl3pPr>
-            <a:lvl4pPr marL="1600200" indent="-228600" algn="l" defTabSz="914400" rtl="0" eaLnBrk="1" latinLnBrk="1" hangingPunct="1">
-              <a:lnSpc>
-                <a:spcPct val="90000"/>
-              </a:lnSpc>
-              <a:spcBef>
-                <a:spcPts val="500"/>
-              </a:spcBef>
-              <a:buFont typeface="Arial" panose="020B0604020202020204" pitchFamily="34" charset="0"/>
-              <a:buChar char="•"/>
-              <a:defRPr sz="1800" kern="1200">
-                <a:solidFill>
-                  <a:schemeClr val="tx1"/>
-                </a:solidFill>
-                <a:latin typeface="+mn-lt"/>
-                <a:ea typeface="+mn-ea"/>
-                <a:cs typeface="+mn-cs"/>
-              </a:defRPr>
-            </a:lvl4pPr>
-            <a:lvl5pPr marL="2057400" indent="-228600" algn="l" defTabSz="914400" rtl="0" eaLnBrk="1" latinLnBrk="1" hangingPunct="1">
-              <a:lnSpc>
-                <a:spcPct val="90000"/>
-              </a:lnSpc>
-              <a:spcBef>
-                <a:spcPts val="500"/>
-              </a:spcBef>
-              <a:buFont typeface="Arial" panose="020B0604020202020204" pitchFamily="34" charset="0"/>
-              <a:buChar char="•"/>
-              <a:defRPr sz="1800" kern="1200">
-                <a:solidFill>
-                  <a:schemeClr val="tx1"/>
-                </a:solidFill>
-                <a:latin typeface="+mn-lt"/>
-                <a:ea typeface="+mn-ea"/>
-                <a:cs typeface="+mn-cs"/>
-              </a:defRPr>
-            </a:lvl5pPr>
-            <a:lvl6pPr marL="2514600" indent="-228600" algn="l" defTabSz="914400" rtl="0" eaLnBrk="1" latinLnBrk="1" hangingPunct="1">
-              <a:lnSpc>
-                <a:spcPct val="90000"/>
-              </a:lnSpc>
-              <a:spcBef>
-                <a:spcPts val="500"/>
-              </a:spcBef>
-              <a:buFont typeface="Arial" panose="020B0604020202020204" pitchFamily="34" charset="0"/>
-              <a:buChar char="•"/>
-              <a:defRPr sz="1800" kern="1200">
-                <a:solidFill>
-                  <a:schemeClr val="tx1"/>
-                </a:solidFill>
-                <a:latin typeface="+mn-lt"/>
-                <a:ea typeface="+mn-ea"/>
-                <a:cs typeface="+mn-cs"/>
-              </a:defRPr>
-            </a:lvl6pPr>
-            <a:lvl7pPr marL="2971800" indent="-228600" algn="l" defTabSz="914400" rtl="0" eaLnBrk="1" latinLnBrk="1" hangingPunct="1">
-              <a:lnSpc>
-                <a:spcPct val="90000"/>
-              </a:lnSpc>
-              <a:spcBef>
-                <a:spcPts val="500"/>
-              </a:spcBef>
-              <a:buFont typeface="Arial" panose="020B0604020202020204" pitchFamily="34" charset="0"/>
-              <a:buChar char="•"/>
-              <a:defRPr sz="1800" kern="1200">
-                <a:solidFill>
-                  <a:schemeClr val="tx1"/>
-                </a:solidFill>
-                <a:latin typeface="+mn-lt"/>
-                <a:ea typeface="+mn-ea"/>
-                <a:cs typeface="+mn-cs"/>
-              </a:defRPr>
-            </a:lvl7pPr>
-            <a:lvl8pPr marL="3429000" indent="-228600" algn="l" defTabSz="914400" rtl="0" eaLnBrk="1" latinLnBrk="1" hangingPunct="1">
-              <a:lnSpc>
-                <a:spcPct val="90000"/>
-              </a:lnSpc>
-              <a:spcBef>
-                <a:spcPts val="500"/>
-              </a:spcBef>
-              <a:buFont typeface="Arial" panose="020B0604020202020204" pitchFamily="34" charset="0"/>
-              <a:buChar char="•"/>
-              <a:defRPr sz="1800" kern="1200">
-                <a:solidFill>
-                  <a:schemeClr val="tx1"/>
-                </a:solidFill>
-                <a:latin typeface="+mn-lt"/>
-                <a:ea typeface="+mn-ea"/>
-                <a:cs typeface="+mn-cs"/>
-              </a:defRPr>
-            </a:lvl8pPr>
-            <a:lvl9pPr marL="3886200" indent="-228600" algn="l" defTabSz="914400" rtl="0" eaLnBrk="1" latinLnBrk="1" hangingPunct="1">
-              <a:lnSpc>
-                <a:spcPct val="90000"/>
-              </a:lnSpc>
-              <a:spcBef>
-                <a:spcPts val="500"/>
-              </a:spcBef>
-              <a:buFont typeface="Arial" panose="020B0604020202020204" pitchFamily="34" charset="0"/>
-              <a:buChar char="•"/>
-              <a:defRPr sz="1800" kern="1200">
-                <a:solidFill>
-                  <a:schemeClr val="tx1"/>
-                </a:solidFill>
-                <a:latin typeface="+mn-lt"/>
-                <a:ea typeface="+mn-ea"/>
-                <a:cs typeface="+mn-cs"/>
-              </a:defRPr>
-            </a:lvl9pPr>
-          </a:lstStyle>
-          <a:p>
-            <a:pPr marL="0" indent="0">
-              <a:buNone/>
-            </a:pPr>
-            <a:r>
-              <a:rPr lang="en-US" altLang="ko-KR" sz="1800" b="1" dirty="0"/>
-              <a:t>A</a:t>
-            </a:r>
-            <a:r>
-              <a:rPr lang="ko-KR" altLang="en-US" sz="1800" b="1" dirty="0"/>
-              <a:t>를 이용하는 고객군은 어떤 변수가 가장 중요하며</a:t>
-            </a:r>
-            <a:r>
-              <a:rPr lang="en-US" altLang="ko-KR" sz="1800" b="1" dirty="0"/>
-              <a:t>, </a:t>
-            </a:r>
-            <a:r>
-              <a:rPr lang="ko-KR" altLang="en-US" sz="1800" b="1" dirty="0"/>
-              <a:t>그</a:t>
-            </a:r>
-            <a:r>
-              <a:rPr lang="en-US" altLang="ko-KR" sz="1800" b="1" dirty="0"/>
-              <a:t> </a:t>
-            </a:r>
-            <a:r>
-              <a:rPr lang="ko-KR" altLang="en-US" sz="1800" b="1" dirty="0"/>
-              <a:t>변수의 </a:t>
-            </a:r>
-            <a:r>
-              <a:rPr lang="ko-KR" altLang="en-US" sz="1800" b="1" dirty="0" err="1"/>
-              <a:t>오즈비는</a:t>
-            </a:r>
-            <a:r>
-              <a:rPr lang="ko-KR" altLang="en-US" sz="1800" b="1" dirty="0"/>
-              <a:t> 어떻게 되는가</a:t>
-            </a:r>
-            <a:r>
-              <a:rPr lang="en-US" altLang="ko-KR" sz="1800" b="1" dirty="0"/>
-              <a:t>? -&gt; </a:t>
-            </a:r>
-            <a:r>
-              <a:rPr lang="ko-KR" altLang="en-US" sz="1800" b="1" dirty="0"/>
-              <a:t>타겟</a:t>
-            </a:r>
-          </a:p>
-        </p:txBody>
-      </p:sp>
       <p:grpSp>
         <p:nvGrpSpPr>
           <p:cNvPr id="8" name="그룹 7">
@@ -9575,6 +11622,967 @@
           </p:txBody>
         </p:sp>
       </p:grpSp>
+      <p:sp>
+        <p:nvSpPr>
+          <p:cNvPr id="3" name="내용 개체 틀 1">
+            <a:extLst>
+              <a:ext uri="{FF2B5EF4-FFF2-40B4-BE49-F238E27FC236}">
+                <a16:creationId xmlns:a16="http://schemas.microsoft.com/office/drawing/2014/main" id="{22AFCD0C-5600-43AC-B4F5-01B966F3333C}"/>
+              </a:ext>
+            </a:extLst>
+          </p:cNvPr>
+          <p:cNvSpPr txBox="1">
+            <a:spLocks/>
+          </p:cNvSpPr>
+          <p:nvPr/>
+        </p:nvSpPr>
+        <p:spPr>
+          <a:xfrm>
+            <a:off x="515935" y="819150"/>
+            <a:ext cx="11160127" cy="1041397"/>
+          </a:xfrm>
+          <a:prstGeom prst="rect">
+            <a:avLst/>
+          </a:prstGeom>
+        </p:spPr>
+        <p:txBody>
+          <a:bodyPr vert="horz" lIns="91440" tIns="45720" rIns="91440" bIns="45720" rtlCol="0">
+            <a:normAutofit/>
+          </a:bodyPr>
+          <a:lstStyle>
+            <a:lvl1pPr marL="228600" indent="-228600" algn="l" defTabSz="914400" rtl="0" eaLnBrk="1" latinLnBrk="1" hangingPunct="1">
+              <a:lnSpc>
+                <a:spcPct val="90000"/>
+              </a:lnSpc>
+              <a:spcBef>
+                <a:spcPts val="1000"/>
+              </a:spcBef>
+              <a:buFont typeface="Arial" panose="020B0604020202020204" pitchFamily="34" charset="0"/>
+              <a:buChar char="•"/>
+              <a:defRPr sz="2800" kern="1200">
+                <a:solidFill>
+                  <a:schemeClr val="tx1"/>
+                </a:solidFill>
+                <a:latin typeface="+mn-lt"/>
+                <a:ea typeface="+mn-ea"/>
+                <a:cs typeface="+mn-cs"/>
+              </a:defRPr>
+            </a:lvl1pPr>
+            <a:lvl2pPr marL="685800" indent="-228600" algn="l" defTabSz="914400" rtl="0" eaLnBrk="1" latinLnBrk="1" hangingPunct="1">
+              <a:lnSpc>
+                <a:spcPct val="90000"/>
+              </a:lnSpc>
+              <a:spcBef>
+                <a:spcPts val="500"/>
+              </a:spcBef>
+              <a:buFont typeface="Arial" panose="020B0604020202020204" pitchFamily="34" charset="0"/>
+              <a:buChar char="•"/>
+              <a:defRPr sz="2400" kern="1200">
+                <a:solidFill>
+                  <a:schemeClr val="tx1"/>
+                </a:solidFill>
+                <a:latin typeface="+mn-lt"/>
+                <a:ea typeface="+mn-ea"/>
+                <a:cs typeface="+mn-cs"/>
+              </a:defRPr>
+            </a:lvl2pPr>
+            <a:lvl3pPr marL="1143000" indent="-228600" algn="l" defTabSz="914400" rtl="0" eaLnBrk="1" latinLnBrk="1" hangingPunct="1">
+              <a:lnSpc>
+                <a:spcPct val="90000"/>
+              </a:lnSpc>
+              <a:spcBef>
+                <a:spcPts val="500"/>
+              </a:spcBef>
+              <a:buFont typeface="Arial" panose="020B0604020202020204" pitchFamily="34" charset="0"/>
+              <a:buChar char="•"/>
+              <a:defRPr sz="2000" kern="1200">
+                <a:solidFill>
+                  <a:schemeClr val="tx1"/>
+                </a:solidFill>
+                <a:latin typeface="+mn-lt"/>
+                <a:ea typeface="+mn-ea"/>
+                <a:cs typeface="+mn-cs"/>
+              </a:defRPr>
+            </a:lvl3pPr>
+            <a:lvl4pPr marL="1600200" indent="-228600" algn="l" defTabSz="914400" rtl="0" eaLnBrk="1" latinLnBrk="1" hangingPunct="1">
+              <a:lnSpc>
+                <a:spcPct val="90000"/>
+              </a:lnSpc>
+              <a:spcBef>
+                <a:spcPts val="500"/>
+              </a:spcBef>
+              <a:buFont typeface="Arial" panose="020B0604020202020204" pitchFamily="34" charset="0"/>
+              <a:buChar char="•"/>
+              <a:defRPr sz="1800" kern="1200">
+                <a:solidFill>
+                  <a:schemeClr val="tx1"/>
+                </a:solidFill>
+                <a:latin typeface="+mn-lt"/>
+                <a:ea typeface="+mn-ea"/>
+                <a:cs typeface="+mn-cs"/>
+              </a:defRPr>
+            </a:lvl4pPr>
+            <a:lvl5pPr marL="2057400" indent="-228600" algn="l" defTabSz="914400" rtl="0" eaLnBrk="1" latinLnBrk="1" hangingPunct="1">
+              <a:lnSpc>
+                <a:spcPct val="90000"/>
+              </a:lnSpc>
+              <a:spcBef>
+                <a:spcPts val="500"/>
+              </a:spcBef>
+              <a:buFont typeface="Arial" panose="020B0604020202020204" pitchFamily="34" charset="0"/>
+              <a:buChar char="•"/>
+              <a:defRPr sz="1800" kern="1200">
+                <a:solidFill>
+                  <a:schemeClr val="tx1"/>
+                </a:solidFill>
+                <a:latin typeface="+mn-lt"/>
+                <a:ea typeface="+mn-ea"/>
+                <a:cs typeface="+mn-cs"/>
+              </a:defRPr>
+            </a:lvl5pPr>
+            <a:lvl6pPr marL="2514600" indent="-228600" algn="l" defTabSz="914400" rtl="0" eaLnBrk="1" latinLnBrk="1" hangingPunct="1">
+              <a:lnSpc>
+                <a:spcPct val="90000"/>
+              </a:lnSpc>
+              <a:spcBef>
+                <a:spcPts val="500"/>
+              </a:spcBef>
+              <a:buFont typeface="Arial" panose="020B0604020202020204" pitchFamily="34" charset="0"/>
+              <a:buChar char="•"/>
+              <a:defRPr sz="1800" kern="1200">
+                <a:solidFill>
+                  <a:schemeClr val="tx1"/>
+                </a:solidFill>
+                <a:latin typeface="+mn-lt"/>
+                <a:ea typeface="+mn-ea"/>
+                <a:cs typeface="+mn-cs"/>
+              </a:defRPr>
+            </a:lvl6pPr>
+            <a:lvl7pPr marL="2971800" indent="-228600" algn="l" defTabSz="914400" rtl="0" eaLnBrk="1" latinLnBrk="1" hangingPunct="1">
+              <a:lnSpc>
+                <a:spcPct val="90000"/>
+              </a:lnSpc>
+              <a:spcBef>
+                <a:spcPts val="500"/>
+              </a:spcBef>
+              <a:buFont typeface="Arial" panose="020B0604020202020204" pitchFamily="34" charset="0"/>
+              <a:buChar char="•"/>
+              <a:defRPr sz="1800" kern="1200">
+                <a:solidFill>
+                  <a:schemeClr val="tx1"/>
+                </a:solidFill>
+                <a:latin typeface="+mn-lt"/>
+                <a:ea typeface="+mn-ea"/>
+                <a:cs typeface="+mn-cs"/>
+              </a:defRPr>
+            </a:lvl7pPr>
+            <a:lvl8pPr marL="3429000" indent="-228600" algn="l" defTabSz="914400" rtl="0" eaLnBrk="1" latinLnBrk="1" hangingPunct="1">
+              <a:lnSpc>
+                <a:spcPct val="90000"/>
+              </a:lnSpc>
+              <a:spcBef>
+                <a:spcPts val="500"/>
+              </a:spcBef>
+              <a:buFont typeface="Arial" panose="020B0604020202020204" pitchFamily="34" charset="0"/>
+              <a:buChar char="•"/>
+              <a:defRPr sz="1800" kern="1200">
+                <a:solidFill>
+                  <a:schemeClr val="tx1"/>
+                </a:solidFill>
+                <a:latin typeface="+mn-lt"/>
+                <a:ea typeface="+mn-ea"/>
+                <a:cs typeface="+mn-cs"/>
+              </a:defRPr>
+            </a:lvl8pPr>
+            <a:lvl9pPr marL="3886200" indent="-228600" algn="l" defTabSz="914400" rtl="0" eaLnBrk="1" latinLnBrk="1" hangingPunct="1">
+              <a:lnSpc>
+                <a:spcPct val="90000"/>
+              </a:lnSpc>
+              <a:spcBef>
+                <a:spcPts val="500"/>
+              </a:spcBef>
+              <a:buFont typeface="Arial" panose="020B0604020202020204" pitchFamily="34" charset="0"/>
+              <a:buChar char="•"/>
+              <a:defRPr sz="1800" kern="1200">
+                <a:solidFill>
+                  <a:schemeClr val="tx1"/>
+                </a:solidFill>
+                <a:latin typeface="+mn-lt"/>
+                <a:ea typeface="+mn-ea"/>
+                <a:cs typeface="+mn-cs"/>
+              </a:defRPr>
+            </a:lvl9pPr>
+          </a:lstStyle>
+          <a:p>
+            <a:pPr marL="0" indent="0">
+              <a:buNone/>
+            </a:pPr>
+            <a:r>
+              <a:rPr lang="ko-KR" altLang="en-US" sz="1800" b="1" dirty="0">
+                <a:solidFill>
+                  <a:srgbClr val="002060"/>
+                </a:solidFill>
+              </a:rPr>
+              <a:t>해석 가능한 인공지능 방법론을 활용하여</a:t>
+            </a:r>
+            <a:r>
+              <a:rPr lang="en-US" altLang="ko-KR" sz="1800" b="1" dirty="0">
+                <a:solidFill>
+                  <a:srgbClr val="002060"/>
+                </a:solidFill>
+              </a:rPr>
+              <a:t> </a:t>
+            </a:r>
+            <a:r>
+              <a:rPr lang="ko-KR" altLang="en-US" sz="1800" b="1" dirty="0">
+                <a:solidFill>
+                  <a:srgbClr val="002060"/>
+                </a:solidFill>
+              </a:rPr>
+              <a:t>복잡한 모델 해석</a:t>
+            </a:r>
+            <a:endParaRPr lang="en-US" altLang="ko-KR" sz="1800" b="1" dirty="0">
+              <a:solidFill>
+                <a:srgbClr val="002060"/>
+              </a:solidFill>
+            </a:endParaRPr>
+          </a:p>
+          <a:p>
+            <a:pPr marL="0" indent="0">
+              <a:buNone/>
+            </a:pPr>
+            <a:r>
+              <a:rPr lang="en-US" altLang="ko-KR" sz="1600" b="1" dirty="0">
+                <a:solidFill>
+                  <a:srgbClr val="002060"/>
+                </a:solidFill>
+              </a:rPr>
+              <a:t>① Shapley Value</a:t>
+            </a:r>
+            <a:r>
+              <a:rPr lang="ko-KR" altLang="en-US" sz="1600" b="1" dirty="0">
+                <a:solidFill>
+                  <a:srgbClr val="002060"/>
+                </a:solidFill>
+              </a:rPr>
+              <a:t>로 </a:t>
+            </a:r>
+            <a:r>
+              <a:rPr lang="ko-KR" altLang="en-US" sz="1600" b="1" dirty="0">
+                <a:solidFill>
+                  <a:srgbClr val="002060"/>
+                </a:solidFill>
+                <a:highlight>
+                  <a:srgbClr val="FFD966"/>
+                </a:highlight>
+              </a:rPr>
+              <a:t>변수의 중요도 분석</a:t>
+            </a:r>
+            <a:r>
+              <a:rPr lang="en-US" altLang="ko-KR" sz="1600" b="1" dirty="0">
+                <a:solidFill>
+                  <a:srgbClr val="002060"/>
+                </a:solidFill>
+              </a:rPr>
+              <a:t> ② Global Surrogate Model</a:t>
+            </a:r>
+            <a:r>
+              <a:rPr lang="ko-KR" altLang="en-US" sz="1600" b="1" dirty="0">
+                <a:solidFill>
+                  <a:srgbClr val="002060"/>
+                </a:solidFill>
+              </a:rPr>
+              <a:t>로 </a:t>
+            </a:r>
+            <a:r>
+              <a:rPr lang="ko-KR" altLang="en-US" sz="1600" b="1" dirty="0">
+                <a:solidFill>
+                  <a:srgbClr val="002060"/>
+                </a:solidFill>
+                <a:highlight>
+                  <a:srgbClr val="FFD966"/>
+                </a:highlight>
+              </a:rPr>
+              <a:t>변수의 영향력 추론</a:t>
+            </a:r>
+          </a:p>
+        </p:txBody>
+      </p:sp>
+      <p:sp>
+        <p:nvSpPr>
+          <p:cNvPr id="4" name="내용 개체 틀 1">
+            <a:extLst>
+              <a:ext uri="{FF2B5EF4-FFF2-40B4-BE49-F238E27FC236}">
+                <a16:creationId xmlns:a16="http://schemas.microsoft.com/office/drawing/2014/main" id="{533F7131-39B8-43F9-8E04-9276E3B8ABA9}"/>
+              </a:ext>
+            </a:extLst>
+          </p:cNvPr>
+          <p:cNvSpPr txBox="1">
+            <a:spLocks/>
+          </p:cNvSpPr>
+          <p:nvPr/>
+        </p:nvSpPr>
+        <p:spPr>
+          <a:xfrm>
+            <a:off x="515938" y="2050255"/>
+            <a:ext cx="5580062" cy="1443289"/>
+          </a:xfrm>
+          <a:prstGeom prst="rect">
+            <a:avLst/>
+          </a:prstGeom>
+        </p:spPr>
+        <p:txBody>
+          <a:bodyPr vert="horz" lIns="91440" tIns="45720" rIns="91440" bIns="45720" rtlCol="0">
+            <a:normAutofit/>
+          </a:bodyPr>
+          <a:lstStyle>
+            <a:lvl1pPr marL="228600" indent="-228600" algn="l" defTabSz="914400" rtl="0" eaLnBrk="1" latinLnBrk="1" hangingPunct="1">
+              <a:lnSpc>
+                <a:spcPct val="90000"/>
+              </a:lnSpc>
+              <a:spcBef>
+                <a:spcPts val="1000"/>
+              </a:spcBef>
+              <a:buFont typeface="Arial" panose="020B0604020202020204" pitchFamily="34" charset="0"/>
+              <a:buChar char="•"/>
+              <a:defRPr sz="2800" kern="1200">
+                <a:solidFill>
+                  <a:schemeClr val="tx1"/>
+                </a:solidFill>
+                <a:latin typeface="+mn-lt"/>
+                <a:ea typeface="+mn-ea"/>
+                <a:cs typeface="+mn-cs"/>
+              </a:defRPr>
+            </a:lvl1pPr>
+            <a:lvl2pPr marL="685800" indent="-228600" algn="l" defTabSz="914400" rtl="0" eaLnBrk="1" latinLnBrk="1" hangingPunct="1">
+              <a:lnSpc>
+                <a:spcPct val="90000"/>
+              </a:lnSpc>
+              <a:spcBef>
+                <a:spcPts val="500"/>
+              </a:spcBef>
+              <a:buFont typeface="Arial" panose="020B0604020202020204" pitchFamily="34" charset="0"/>
+              <a:buChar char="•"/>
+              <a:defRPr sz="2400" kern="1200">
+                <a:solidFill>
+                  <a:schemeClr val="tx1"/>
+                </a:solidFill>
+                <a:latin typeface="+mn-lt"/>
+                <a:ea typeface="+mn-ea"/>
+                <a:cs typeface="+mn-cs"/>
+              </a:defRPr>
+            </a:lvl2pPr>
+            <a:lvl3pPr marL="1143000" indent="-228600" algn="l" defTabSz="914400" rtl="0" eaLnBrk="1" latinLnBrk="1" hangingPunct="1">
+              <a:lnSpc>
+                <a:spcPct val="90000"/>
+              </a:lnSpc>
+              <a:spcBef>
+                <a:spcPts val="500"/>
+              </a:spcBef>
+              <a:buFont typeface="Arial" panose="020B0604020202020204" pitchFamily="34" charset="0"/>
+              <a:buChar char="•"/>
+              <a:defRPr sz="2000" kern="1200">
+                <a:solidFill>
+                  <a:schemeClr val="tx1"/>
+                </a:solidFill>
+                <a:latin typeface="+mn-lt"/>
+                <a:ea typeface="+mn-ea"/>
+                <a:cs typeface="+mn-cs"/>
+              </a:defRPr>
+            </a:lvl3pPr>
+            <a:lvl4pPr marL="1600200" indent="-228600" algn="l" defTabSz="914400" rtl="0" eaLnBrk="1" latinLnBrk="1" hangingPunct="1">
+              <a:lnSpc>
+                <a:spcPct val="90000"/>
+              </a:lnSpc>
+              <a:spcBef>
+                <a:spcPts val="500"/>
+              </a:spcBef>
+              <a:buFont typeface="Arial" panose="020B0604020202020204" pitchFamily="34" charset="0"/>
+              <a:buChar char="•"/>
+              <a:defRPr sz="1800" kern="1200">
+                <a:solidFill>
+                  <a:schemeClr val="tx1"/>
+                </a:solidFill>
+                <a:latin typeface="+mn-lt"/>
+                <a:ea typeface="+mn-ea"/>
+                <a:cs typeface="+mn-cs"/>
+              </a:defRPr>
+            </a:lvl4pPr>
+            <a:lvl5pPr marL="2057400" indent="-228600" algn="l" defTabSz="914400" rtl="0" eaLnBrk="1" latinLnBrk="1" hangingPunct="1">
+              <a:lnSpc>
+                <a:spcPct val="90000"/>
+              </a:lnSpc>
+              <a:spcBef>
+                <a:spcPts val="500"/>
+              </a:spcBef>
+              <a:buFont typeface="Arial" panose="020B0604020202020204" pitchFamily="34" charset="0"/>
+              <a:buChar char="•"/>
+              <a:defRPr sz="1800" kern="1200">
+                <a:solidFill>
+                  <a:schemeClr val="tx1"/>
+                </a:solidFill>
+                <a:latin typeface="+mn-lt"/>
+                <a:ea typeface="+mn-ea"/>
+                <a:cs typeface="+mn-cs"/>
+              </a:defRPr>
+            </a:lvl5pPr>
+            <a:lvl6pPr marL="2514600" indent="-228600" algn="l" defTabSz="914400" rtl="0" eaLnBrk="1" latinLnBrk="1" hangingPunct="1">
+              <a:lnSpc>
+                <a:spcPct val="90000"/>
+              </a:lnSpc>
+              <a:spcBef>
+                <a:spcPts val="500"/>
+              </a:spcBef>
+              <a:buFont typeface="Arial" panose="020B0604020202020204" pitchFamily="34" charset="0"/>
+              <a:buChar char="•"/>
+              <a:defRPr sz="1800" kern="1200">
+                <a:solidFill>
+                  <a:schemeClr val="tx1"/>
+                </a:solidFill>
+                <a:latin typeface="+mn-lt"/>
+                <a:ea typeface="+mn-ea"/>
+                <a:cs typeface="+mn-cs"/>
+              </a:defRPr>
+            </a:lvl6pPr>
+            <a:lvl7pPr marL="2971800" indent="-228600" algn="l" defTabSz="914400" rtl="0" eaLnBrk="1" latinLnBrk="1" hangingPunct="1">
+              <a:lnSpc>
+                <a:spcPct val="90000"/>
+              </a:lnSpc>
+              <a:spcBef>
+                <a:spcPts val="500"/>
+              </a:spcBef>
+              <a:buFont typeface="Arial" panose="020B0604020202020204" pitchFamily="34" charset="0"/>
+              <a:buChar char="•"/>
+              <a:defRPr sz="1800" kern="1200">
+                <a:solidFill>
+                  <a:schemeClr val="tx1"/>
+                </a:solidFill>
+                <a:latin typeface="+mn-lt"/>
+                <a:ea typeface="+mn-ea"/>
+                <a:cs typeface="+mn-cs"/>
+              </a:defRPr>
+            </a:lvl7pPr>
+            <a:lvl8pPr marL="3429000" indent="-228600" algn="l" defTabSz="914400" rtl="0" eaLnBrk="1" latinLnBrk="1" hangingPunct="1">
+              <a:lnSpc>
+                <a:spcPct val="90000"/>
+              </a:lnSpc>
+              <a:spcBef>
+                <a:spcPts val="500"/>
+              </a:spcBef>
+              <a:buFont typeface="Arial" panose="020B0604020202020204" pitchFamily="34" charset="0"/>
+              <a:buChar char="•"/>
+              <a:defRPr sz="1800" kern="1200">
+                <a:solidFill>
+                  <a:schemeClr val="tx1"/>
+                </a:solidFill>
+                <a:latin typeface="+mn-lt"/>
+                <a:ea typeface="+mn-ea"/>
+                <a:cs typeface="+mn-cs"/>
+              </a:defRPr>
+            </a:lvl8pPr>
+            <a:lvl9pPr marL="3886200" indent="-228600" algn="l" defTabSz="914400" rtl="0" eaLnBrk="1" latinLnBrk="1" hangingPunct="1">
+              <a:lnSpc>
+                <a:spcPct val="90000"/>
+              </a:lnSpc>
+              <a:spcBef>
+                <a:spcPts val="500"/>
+              </a:spcBef>
+              <a:buFont typeface="Arial" panose="020B0604020202020204" pitchFamily="34" charset="0"/>
+              <a:buChar char="•"/>
+              <a:defRPr sz="1800" kern="1200">
+                <a:solidFill>
+                  <a:schemeClr val="tx1"/>
+                </a:solidFill>
+                <a:latin typeface="+mn-lt"/>
+                <a:ea typeface="+mn-ea"/>
+                <a:cs typeface="+mn-cs"/>
+              </a:defRPr>
+            </a:lvl9pPr>
+          </a:lstStyle>
+          <a:p>
+            <a:r>
+              <a:rPr lang="en-US" altLang="ko-KR" sz="1200" dirty="0">
+                <a:solidFill>
+                  <a:srgbClr val="002060"/>
+                </a:solidFill>
+              </a:rPr>
+              <a:t>Case 1. </a:t>
+            </a:r>
+            <a:r>
+              <a:rPr lang="ko-KR" altLang="en-US" sz="1200" dirty="0">
+                <a:solidFill>
+                  <a:srgbClr val="002060"/>
+                </a:solidFill>
+              </a:rPr>
+              <a:t>가맹점 </a:t>
+            </a:r>
+            <a:r>
+              <a:rPr lang="en-US" altLang="ko-KR" sz="1200" dirty="0">
+                <a:solidFill>
+                  <a:srgbClr val="002060"/>
+                </a:solidFill>
+              </a:rPr>
+              <a:t>A </a:t>
+            </a:r>
+            <a:r>
+              <a:rPr lang="ko-KR" altLang="en-US" sz="1200" dirty="0">
+                <a:solidFill>
+                  <a:srgbClr val="002060"/>
+                </a:solidFill>
+              </a:rPr>
+              <a:t>에게 비즈니스 솔루션 제안</a:t>
+            </a:r>
+            <a:endParaRPr lang="en-US" altLang="ko-KR" sz="1200" dirty="0">
+              <a:solidFill>
+                <a:srgbClr val="002060"/>
+              </a:solidFill>
+            </a:endParaRPr>
+          </a:p>
+          <a:p>
+            <a:r>
+              <a:rPr lang="ko-KR" altLang="en-US" sz="1200" dirty="0">
+                <a:solidFill>
+                  <a:srgbClr val="002060"/>
+                </a:solidFill>
+              </a:rPr>
+              <a:t>어떤 변수가 중요한 지 </a:t>
+            </a:r>
+            <a:r>
+              <a:rPr lang="ko-KR" altLang="en-US" sz="1200" dirty="0" err="1">
+                <a:solidFill>
+                  <a:srgbClr val="002060"/>
+                </a:solidFill>
+              </a:rPr>
+              <a:t>뽑아냄</a:t>
+            </a:r>
+            <a:r>
+              <a:rPr lang="ko-KR" altLang="en-US" sz="1200" dirty="0">
+                <a:solidFill>
+                  <a:srgbClr val="002060"/>
+                </a:solidFill>
+              </a:rPr>
+              <a:t> </a:t>
+            </a:r>
+            <a:r>
+              <a:rPr lang="en-US" altLang="ko-KR" sz="1200" dirty="0">
+                <a:solidFill>
+                  <a:srgbClr val="002060"/>
+                </a:solidFill>
+              </a:rPr>
+              <a:t>Top 10</a:t>
+            </a:r>
+          </a:p>
+          <a:p>
+            <a:r>
+              <a:rPr lang="ko-KR" altLang="en-US" sz="1200" dirty="0">
+                <a:solidFill>
+                  <a:srgbClr val="002060"/>
+                </a:solidFill>
+              </a:rPr>
+              <a:t>그 변수의 영향력 측정 </a:t>
+            </a:r>
+            <a:r>
+              <a:rPr lang="en-US" altLang="ko-KR" sz="1200" dirty="0">
+                <a:solidFill>
+                  <a:srgbClr val="002060"/>
+                </a:solidFill>
+              </a:rPr>
+              <a:t>=&gt; </a:t>
+            </a:r>
+            <a:r>
+              <a:rPr lang="ko-KR" altLang="en-US" sz="1200" dirty="0">
+                <a:solidFill>
+                  <a:srgbClr val="002060"/>
+                </a:solidFill>
+              </a:rPr>
+              <a:t>어떤 변수를 </a:t>
+            </a:r>
+            <a:r>
+              <a:rPr lang="ko-KR" altLang="en-US" sz="1200" dirty="0" err="1">
+                <a:solidFill>
+                  <a:srgbClr val="002060"/>
+                </a:solidFill>
+              </a:rPr>
+              <a:t>타겟팅한</a:t>
+            </a:r>
+            <a:r>
+              <a:rPr lang="ko-KR" altLang="en-US" sz="1200" dirty="0">
+                <a:solidFill>
+                  <a:srgbClr val="002060"/>
+                </a:solidFill>
+              </a:rPr>
+              <a:t> 기획 방향 수립</a:t>
+            </a:r>
+            <a:endParaRPr lang="en-US" altLang="ko-KR" sz="1200" dirty="0">
+              <a:solidFill>
+                <a:srgbClr val="002060"/>
+              </a:solidFill>
+            </a:endParaRPr>
+          </a:p>
+          <a:p>
+            <a:endParaRPr lang="en-US" altLang="ko-KR" sz="1200" dirty="0">
+              <a:solidFill>
+                <a:srgbClr val="002060"/>
+              </a:solidFill>
+            </a:endParaRPr>
+          </a:p>
+        </p:txBody>
+      </p:sp>
+      <p:sp>
+        <p:nvSpPr>
+          <p:cNvPr id="20" name="내용 개체 틀 1">
+            <a:extLst>
+              <a:ext uri="{FF2B5EF4-FFF2-40B4-BE49-F238E27FC236}">
+                <a16:creationId xmlns:a16="http://schemas.microsoft.com/office/drawing/2014/main" id="{8F6158D0-580E-4883-AD2C-F2E4A8432DF4}"/>
+              </a:ext>
+            </a:extLst>
+          </p:cNvPr>
+          <p:cNvSpPr txBox="1">
+            <a:spLocks/>
+          </p:cNvSpPr>
+          <p:nvPr/>
+        </p:nvSpPr>
+        <p:spPr>
+          <a:xfrm>
+            <a:off x="6095998" y="1965826"/>
+            <a:ext cx="5580062" cy="1443289"/>
+          </a:xfrm>
+          <a:prstGeom prst="rect">
+            <a:avLst/>
+          </a:prstGeom>
+        </p:spPr>
+        <p:txBody>
+          <a:bodyPr vert="horz" lIns="91440" tIns="45720" rIns="91440" bIns="45720" rtlCol="0">
+            <a:normAutofit/>
+          </a:bodyPr>
+          <a:lstStyle>
+            <a:lvl1pPr marL="228600" indent="-228600" algn="l" defTabSz="914400" rtl="0" eaLnBrk="1" latinLnBrk="1" hangingPunct="1">
+              <a:lnSpc>
+                <a:spcPct val="90000"/>
+              </a:lnSpc>
+              <a:spcBef>
+                <a:spcPts val="1000"/>
+              </a:spcBef>
+              <a:buFont typeface="Arial" panose="020B0604020202020204" pitchFamily="34" charset="0"/>
+              <a:buChar char="•"/>
+              <a:defRPr sz="2800" kern="1200">
+                <a:solidFill>
+                  <a:schemeClr val="tx1"/>
+                </a:solidFill>
+                <a:latin typeface="+mn-lt"/>
+                <a:ea typeface="+mn-ea"/>
+                <a:cs typeface="+mn-cs"/>
+              </a:defRPr>
+            </a:lvl1pPr>
+            <a:lvl2pPr marL="685800" indent="-228600" algn="l" defTabSz="914400" rtl="0" eaLnBrk="1" latinLnBrk="1" hangingPunct="1">
+              <a:lnSpc>
+                <a:spcPct val="90000"/>
+              </a:lnSpc>
+              <a:spcBef>
+                <a:spcPts val="500"/>
+              </a:spcBef>
+              <a:buFont typeface="Arial" panose="020B0604020202020204" pitchFamily="34" charset="0"/>
+              <a:buChar char="•"/>
+              <a:defRPr sz="2400" kern="1200">
+                <a:solidFill>
+                  <a:schemeClr val="tx1"/>
+                </a:solidFill>
+                <a:latin typeface="+mn-lt"/>
+                <a:ea typeface="+mn-ea"/>
+                <a:cs typeface="+mn-cs"/>
+              </a:defRPr>
+            </a:lvl2pPr>
+            <a:lvl3pPr marL="1143000" indent="-228600" algn="l" defTabSz="914400" rtl="0" eaLnBrk="1" latinLnBrk="1" hangingPunct="1">
+              <a:lnSpc>
+                <a:spcPct val="90000"/>
+              </a:lnSpc>
+              <a:spcBef>
+                <a:spcPts val="500"/>
+              </a:spcBef>
+              <a:buFont typeface="Arial" panose="020B0604020202020204" pitchFamily="34" charset="0"/>
+              <a:buChar char="•"/>
+              <a:defRPr sz="2000" kern="1200">
+                <a:solidFill>
+                  <a:schemeClr val="tx1"/>
+                </a:solidFill>
+                <a:latin typeface="+mn-lt"/>
+                <a:ea typeface="+mn-ea"/>
+                <a:cs typeface="+mn-cs"/>
+              </a:defRPr>
+            </a:lvl3pPr>
+            <a:lvl4pPr marL="1600200" indent="-228600" algn="l" defTabSz="914400" rtl="0" eaLnBrk="1" latinLnBrk="1" hangingPunct="1">
+              <a:lnSpc>
+                <a:spcPct val="90000"/>
+              </a:lnSpc>
+              <a:spcBef>
+                <a:spcPts val="500"/>
+              </a:spcBef>
+              <a:buFont typeface="Arial" panose="020B0604020202020204" pitchFamily="34" charset="0"/>
+              <a:buChar char="•"/>
+              <a:defRPr sz="1800" kern="1200">
+                <a:solidFill>
+                  <a:schemeClr val="tx1"/>
+                </a:solidFill>
+                <a:latin typeface="+mn-lt"/>
+                <a:ea typeface="+mn-ea"/>
+                <a:cs typeface="+mn-cs"/>
+              </a:defRPr>
+            </a:lvl4pPr>
+            <a:lvl5pPr marL="2057400" indent="-228600" algn="l" defTabSz="914400" rtl="0" eaLnBrk="1" latinLnBrk="1" hangingPunct="1">
+              <a:lnSpc>
+                <a:spcPct val="90000"/>
+              </a:lnSpc>
+              <a:spcBef>
+                <a:spcPts val="500"/>
+              </a:spcBef>
+              <a:buFont typeface="Arial" panose="020B0604020202020204" pitchFamily="34" charset="0"/>
+              <a:buChar char="•"/>
+              <a:defRPr sz="1800" kern="1200">
+                <a:solidFill>
+                  <a:schemeClr val="tx1"/>
+                </a:solidFill>
+                <a:latin typeface="+mn-lt"/>
+                <a:ea typeface="+mn-ea"/>
+                <a:cs typeface="+mn-cs"/>
+              </a:defRPr>
+            </a:lvl5pPr>
+            <a:lvl6pPr marL="2514600" indent="-228600" algn="l" defTabSz="914400" rtl="0" eaLnBrk="1" latinLnBrk="1" hangingPunct="1">
+              <a:lnSpc>
+                <a:spcPct val="90000"/>
+              </a:lnSpc>
+              <a:spcBef>
+                <a:spcPts val="500"/>
+              </a:spcBef>
+              <a:buFont typeface="Arial" panose="020B0604020202020204" pitchFamily="34" charset="0"/>
+              <a:buChar char="•"/>
+              <a:defRPr sz="1800" kern="1200">
+                <a:solidFill>
+                  <a:schemeClr val="tx1"/>
+                </a:solidFill>
+                <a:latin typeface="+mn-lt"/>
+                <a:ea typeface="+mn-ea"/>
+                <a:cs typeface="+mn-cs"/>
+              </a:defRPr>
+            </a:lvl6pPr>
+            <a:lvl7pPr marL="2971800" indent="-228600" algn="l" defTabSz="914400" rtl="0" eaLnBrk="1" latinLnBrk="1" hangingPunct="1">
+              <a:lnSpc>
+                <a:spcPct val="90000"/>
+              </a:lnSpc>
+              <a:spcBef>
+                <a:spcPts val="500"/>
+              </a:spcBef>
+              <a:buFont typeface="Arial" panose="020B0604020202020204" pitchFamily="34" charset="0"/>
+              <a:buChar char="•"/>
+              <a:defRPr sz="1800" kern="1200">
+                <a:solidFill>
+                  <a:schemeClr val="tx1"/>
+                </a:solidFill>
+                <a:latin typeface="+mn-lt"/>
+                <a:ea typeface="+mn-ea"/>
+                <a:cs typeface="+mn-cs"/>
+              </a:defRPr>
+            </a:lvl7pPr>
+            <a:lvl8pPr marL="3429000" indent="-228600" algn="l" defTabSz="914400" rtl="0" eaLnBrk="1" latinLnBrk="1" hangingPunct="1">
+              <a:lnSpc>
+                <a:spcPct val="90000"/>
+              </a:lnSpc>
+              <a:spcBef>
+                <a:spcPts val="500"/>
+              </a:spcBef>
+              <a:buFont typeface="Arial" panose="020B0604020202020204" pitchFamily="34" charset="0"/>
+              <a:buChar char="•"/>
+              <a:defRPr sz="1800" kern="1200">
+                <a:solidFill>
+                  <a:schemeClr val="tx1"/>
+                </a:solidFill>
+                <a:latin typeface="+mn-lt"/>
+                <a:ea typeface="+mn-ea"/>
+                <a:cs typeface="+mn-cs"/>
+              </a:defRPr>
+            </a:lvl8pPr>
+            <a:lvl9pPr marL="3886200" indent="-228600" algn="l" defTabSz="914400" rtl="0" eaLnBrk="1" latinLnBrk="1" hangingPunct="1">
+              <a:lnSpc>
+                <a:spcPct val="90000"/>
+              </a:lnSpc>
+              <a:spcBef>
+                <a:spcPts val="500"/>
+              </a:spcBef>
+              <a:buFont typeface="Arial" panose="020B0604020202020204" pitchFamily="34" charset="0"/>
+              <a:buChar char="•"/>
+              <a:defRPr sz="1800" kern="1200">
+                <a:solidFill>
+                  <a:schemeClr val="tx1"/>
+                </a:solidFill>
+                <a:latin typeface="+mn-lt"/>
+                <a:ea typeface="+mn-ea"/>
+                <a:cs typeface="+mn-cs"/>
+              </a:defRPr>
+            </a:lvl9pPr>
+          </a:lstStyle>
+          <a:p>
+            <a:r>
+              <a:rPr lang="en-US" altLang="ko-KR" sz="1200" dirty="0">
+                <a:solidFill>
+                  <a:srgbClr val="002060"/>
+                </a:solidFill>
+              </a:rPr>
+              <a:t>Case 2. </a:t>
+            </a:r>
+            <a:r>
+              <a:rPr lang="ko-KR" altLang="en-US" sz="1200" dirty="0">
+                <a:solidFill>
+                  <a:srgbClr val="002060"/>
+                </a:solidFill>
+              </a:rPr>
+              <a:t>고객 </a:t>
+            </a:r>
+            <a:r>
+              <a:rPr lang="en-US" altLang="ko-KR" sz="1200" dirty="0">
+                <a:solidFill>
+                  <a:srgbClr val="002060"/>
+                </a:solidFill>
+              </a:rPr>
+              <a:t>B</a:t>
+            </a:r>
+          </a:p>
+          <a:p>
+            <a:r>
+              <a:rPr lang="ko-KR" altLang="en-US" sz="1200" dirty="0">
+                <a:solidFill>
+                  <a:srgbClr val="002060"/>
+                </a:solidFill>
+              </a:rPr>
+              <a:t>설득력 있는 카드 추천</a:t>
+            </a:r>
+            <a:endParaRPr lang="en-US" altLang="ko-KR" sz="1200" dirty="0">
+              <a:solidFill>
+                <a:srgbClr val="002060"/>
+              </a:solidFill>
+            </a:endParaRPr>
+          </a:p>
+          <a:p>
+            <a:r>
+              <a:rPr lang="en-US" altLang="ko-KR" sz="1200" dirty="0">
+                <a:solidFill>
+                  <a:srgbClr val="002060"/>
+                </a:solidFill>
+              </a:rPr>
+              <a:t>(</a:t>
+            </a:r>
+            <a:r>
+              <a:rPr lang="ko-KR" altLang="en-US" sz="1200" dirty="0">
+                <a:solidFill>
+                  <a:srgbClr val="002060"/>
+                </a:solidFill>
+              </a:rPr>
+              <a:t>기존</a:t>
+            </a:r>
+            <a:r>
+              <a:rPr lang="en-US" altLang="ko-KR" sz="1200" dirty="0">
+                <a:solidFill>
+                  <a:srgbClr val="002060"/>
+                </a:solidFill>
+              </a:rPr>
+              <a:t>) </a:t>
+            </a:r>
+            <a:r>
+              <a:rPr lang="ko-KR" altLang="en-US" sz="1200" dirty="0">
+                <a:solidFill>
+                  <a:srgbClr val="002060"/>
+                </a:solidFill>
+              </a:rPr>
+              <a:t>가맹점 </a:t>
+            </a:r>
+            <a:r>
+              <a:rPr lang="en-US" altLang="ko-KR" sz="1200" dirty="0">
+                <a:solidFill>
+                  <a:srgbClr val="002060"/>
+                </a:solidFill>
+              </a:rPr>
+              <a:t>C</a:t>
+            </a:r>
+            <a:r>
+              <a:rPr lang="ko-KR" altLang="en-US" sz="1200" dirty="0">
+                <a:solidFill>
+                  <a:srgbClr val="002060"/>
+                </a:solidFill>
+              </a:rPr>
+              <a:t>와 </a:t>
+            </a:r>
+            <a:r>
+              <a:rPr lang="en-US" altLang="ko-KR" sz="1200" dirty="0">
+                <a:solidFill>
+                  <a:srgbClr val="002060"/>
+                </a:solidFill>
+              </a:rPr>
+              <a:t>D</a:t>
+            </a:r>
+            <a:r>
+              <a:rPr lang="ko-KR" altLang="en-US" sz="1200" dirty="0">
+                <a:solidFill>
+                  <a:srgbClr val="002060"/>
+                </a:solidFill>
+              </a:rPr>
+              <a:t>를 사용할 확률이 크다 </a:t>
+            </a:r>
+            <a:r>
+              <a:rPr lang="en-US" altLang="ko-KR" sz="1200" dirty="0">
+                <a:solidFill>
+                  <a:srgbClr val="002060"/>
+                </a:solidFill>
+              </a:rPr>
+              <a:t>-&gt; </a:t>
+            </a:r>
+            <a:r>
+              <a:rPr lang="ko-KR" altLang="en-US" sz="1200" dirty="0">
+                <a:solidFill>
+                  <a:srgbClr val="002060"/>
+                </a:solidFill>
+              </a:rPr>
+              <a:t>추천</a:t>
+            </a:r>
+            <a:endParaRPr lang="en-US" altLang="ko-KR" sz="1200" dirty="0">
+              <a:solidFill>
+                <a:srgbClr val="002060"/>
+              </a:solidFill>
+            </a:endParaRPr>
+          </a:p>
+          <a:p>
+            <a:r>
+              <a:rPr lang="ko-KR" altLang="en-US" sz="1200" dirty="0">
+                <a:solidFill>
+                  <a:srgbClr val="002060"/>
+                </a:solidFill>
+              </a:rPr>
+              <a:t>당신의 행동 패턴을 설명 </a:t>
+            </a:r>
+            <a:r>
+              <a:rPr lang="en-US" altLang="ko-KR" sz="1200" dirty="0">
+                <a:solidFill>
+                  <a:srgbClr val="002060"/>
+                </a:solidFill>
+              </a:rPr>
+              <a:t>=&gt; </a:t>
+            </a:r>
+            <a:r>
+              <a:rPr lang="ko-KR" altLang="en-US" sz="1200" dirty="0">
+                <a:solidFill>
+                  <a:srgbClr val="002060"/>
+                </a:solidFill>
+              </a:rPr>
+              <a:t>설득력 있는 추천</a:t>
+            </a:r>
+            <a:r>
+              <a:rPr lang="en-US" altLang="ko-KR" sz="1200" dirty="0">
+                <a:solidFill>
+                  <a:srgbClr val="002060"/>
+                </a:solidFill>
+              </a:rPr>
+              <a:t> </a:t>
+            </a:r>
+          </a:p>
+        </p:txBody>
+      </p:sp>
     </p:spTree>
     <p:extLst>
       <p:ext uri="{BB962C8B-B14F-4D97-AF65-F5344CB8AC3E}">
